--- a/paper-supplement/figs/supplemental-figure-3-sig.pptx
+++ b/paper-supplement/figs/supplemental-figure-3-sig.pptx
@@ -104,6 +104,11 @@
       </a:defRPr>
     </a:lvl9pPr>
   </p:defaultTextStyle>
+  <p:extLst>
+    <p:ext uri="{EFAFB233-063F-42B5-8137-9DF3F51BA10A}">
+      <p15:sldGuideLst xmlns:p15="http://schemas.microsoft.com/office/powerpoint/2012/main"/>
+    </p:ext>
+  </p:extLst>
 </p:presentation>
 </file>
 
@@ -3321,42 +3326,12 @@
           <a:chExt cx="0" cy="0"/>
         </a:xfrm>
       </p:grpSpPr>
-      <p:pic>
-        <p:nvPicPr>
-          <p:cNvPr id="5" name="Picture 4" descr="A picture containing text, diagram, number, line&#10;&#10;Description automatically generated">
-            <a:extLst>
-              <a:ext uri="{FF2B5EF4-FFF2-40B4-BE49-F238E27FC236}">
-                <a16:creationId xmlns:a16="http://schemas.microsoft.com/office/drawing/2014/main" id="{5513936C-F9FA-D91F-F86A-5DE6B661D19C}"/>
-              </a:ext>
-            </a:extLst>
-          </p:cNvPr>
-          <p:cNvPicPr>
-            <a:picLocks noChangeAspect="1"/>
-          </p:cNvPicPr>
-          <p:nvPr/>
-        </p:nvPicPr>
-        <p:blipFill>
-          <a:blip r:embed="rId2"/>
-          <a:stretch>
-            <a:fillRect/>
-          </a:stretch>
-        </p:blipFill>
-        <p:spPr>
-          <a:xfrm>
-            <a:off x="2667000" y="0"/>
-            <a:ext cx="6858000" cy="6858000"/>
-          </a:xfrm>
-          <a:prstGeom prst="rect">
-            <a:avLst/>
-          </a:prstGeom>
-        </p:spPr>
-      </p:pic>
       <p:grpSp>
         <p:nvGrpSpPr>
-          <p:cNvPr id="6" name="Group 5">
-            <a:extLst>
-              <a:ext uri="{FF2B5EF4-FFF2-40B4-BE49-F238E27FC236}">
-                <a16:creationId xmlns:a16="http://schemas.microsoft.com/office/drawing/2014/main" id="{AACA7BDD-8C5C-8188-A7B5-AA5136F4E210}"/>
+          <p:cNvPr id="2" name="Group 1">
+            <a:extLst>
+              <a:ext uri="{FF2B5EF4-FFF2-40B4-BE49-F238E27FC236}">
+                <a16:creationId xmlns:a16="http://schemas.microsoft.com/office/drawing/2014/main" id="{E2E90C9C-8061-3949-23FD-31F596357F8F}"/>
               </a:ext>
             </a:extLst>
           </p:cNvPr>
@@ -3365,769 +3340,820 @@
         </p:nvGrpSpPr>
         <p:grpSpPr>
           <a:xfrm>
-            <a:off x="3666171" y="4283001"/>
-            <a:ext cx="1041500" cy="276999"/>
-            <a:chOff x="2611090" y="551617"/>
-            <a:chExt cx="928687" cy="276999"/>
+            <a:off x="2667000" y="0"/>
+            <a:ext cx="6858000" cy="6858000"/>
+            <a:chOff x="2667000" y="0"/>
+            <a:chExt cx="6858000" cy="6858000"/>
           </a:xfrm>
         </p:grpSpPr>
-        <p:cxnSp>
-          <p:nvCxnSpPr>
-            <p:cNvPr id="7" name="Straight Connector 6">
+        <p:pic>
+          <p:nvPicPr>
+            <p:cNvPr id="5" name="Picture 4" descr="A picture containing text, diagram, number, line&#10;&#10;Description automatically generated">
               <a:extLst>
                 <a:ext uri="{FF2B5EF4-FFF2-40B4-BE49-F238E27FC236}">
-                  <a16:creationId xmlns:a16="http://schemas.microsoft.com/office/drawing/2014/main" id="{7493DD84-76AC-94F8-6A79-DC83773B5A7B}"/>
+                  <a16:creationId xmlns:a16="http://schemas.microsoft.com/office/drawing/2014/main" id="{5513936C-F9FA-D91F-F86A-5DE6B661D19C}"/>
                 </a:ext>
               </a:extLst>
             </p:cNvPr>
-            <p:cNvCxnSpPr>
-              <a:cxnSpLocks/>
-            </p:cNvCxnSpPr>
+            <p:cNvPicPr>
+              <a:picLocks noChangeAspect="1"/>
+            </p:cNvPicPr>
             <p:nvPr/>
-          </p:nvCxnSpPr>
+          </p:nvPicPr>
+          <p:blipFill>
+            <a:blip r:embed="rId2"/>
+            <a:stretch>
+              <a:fillRect/>
+            </a:stretch>
+          </p:blipFill>
           <p:spPr>
             <a:xfrm>
-              <a:off x="2611090" y="771525"/>
-              <a:ext cx="928687" cy="0"/>
-            </a:xfrm>
-            <a:prstGeom prst="line">
-              <a:avLst/>
-            </a:prstGeom>
-          </p:spPr>
-          <p:style>
-            <a:lnRef idx="1">
-              <a:schemeClr val="dk1"/>
-            </a:lnRef>
-            <a:fillRef idx="0">
-              <a:schemeClr val="dk1"/>
-            </a:fillRef>
-            <a:effectRef idx="0">
-              <a:schemeClr val="dk1"/>
-            </a:effectRef>
-            <a:fontRef idx="minor">
-              <a:schemeClr val="tx1"/>
-            </a:fontRef>
-          </p:style>
-        </p:cxnSp>
-        <p:sp>
-          <p:nvSpPr>
-            <p:cNvPr id="8" name="TextBox 7">
-              <a:extLst>
-                <a:ext uri="{FF2B5EF4-FFF2-40B4-BE49-F238E27FC236}">
-                  <a16:creationId xmlns:a16="http://schemas.microsoft.com/office/drawing/2014/main" id="{253B4A29-4DA9-54C5-428A-4C2300AF08F1}"/>
-                </a:ext>
-              </a:extLst>
-            </p:cNvPr>
-            <p:cNvSpPr txBox="1"/>
-            <p:nvPr/>
-          </p:nvSpPr>
-          <p:spPr>
-            <a:xfrm>
-              <a:off x="2732174" y="551617"/>
-              <a:ext cx="686519" cy="276999"/>
+              <a:off x="2667000" y="0"/>
+              <a:ext cx="6858000" cy="6858000"/>
             </a:xfrm>
             <a:prstGeom prst="rect">
               <a:avLst/>
             </a:prstGeom>
-            <a:noFill/>
           </p:spPr>
-          <p:txBody>
-            <a:bodyPr wrap="square" rtlCol="0">
-              <a:spAutoFit/>
-            </a:bodyPr>
-            <a:lstStyle/>
-            <a:p>
-              <a:pPr algn="ctr"/>
-              <a:r>
-                <a:rPr lang="en-US" sz="1200" dirty="0"/>
-                <a:t>***</a:t>
-              </a:r>
-            </a:p>
-          </p:txBody>
-        </p:sp>
-      </p:grpSp>
-      <p:grpSp>
-        <p:nvGrpSpPr>
-          <p:cNvPr id="12" name="Group 11">
-            <a:extLst>
-              <a:ext uri="{FF2B5EF4-FFF2-40B4-BE49-F238E27FC236}">
-                <a16:creationId xmlns:a16="http://schemas.microsoft.com/office/drawing/2014/main" id="{BDF1505A-298D-0515-29D9-7EED3A4B7209}"/>
-              </a:ext>
-            </a:extLst>
-          </p:cNvPr>
-          <p:cNvGrpSpPr/>
-          <p:nvPr/>
-        </p:nvGrpSpPr>
-        <p:grpSpPr>
-          <a:xfrm>
-            <a:off x="3711799" y="887954"/>
-            <a:ext cx="2218221" cy="261610"/>
-            <a:chOff x="2611090" y="551617"/>
-            <a:chExt cx="928687" cy="261610"/>
-          </a:xfrm>
-        </p:grpSpPr>
-        <p:cxnSp>
-          <p:nvCxnSpPr>
-            <p:cNvPr id="13" name="Straight Connector 12">
+        </p:pic>
+        <p:grpSp>
+          <p:nvGrpSpPr>
+            <p:cNvPr id="6" name="Group 5">
               <a:extLst>
                 <a:ext uri="{FF2B5EF4-FFF2-40B4-BE49-F238E27FC236}">
-                  <a16:creationId xmlns:a16="http://schemas.microsoft.com/office/drawing/2014/main" id="{A4023781-ECB1-7036-B260-AE5ED4C40E4B}"/>
+                  <a16:creationId xmlns:a16="http://schemas.microsoft.com/office/drawing/2014/main" id="{AACA7BDD-8C5C-8188-A7B5-AA5136F4E210}"/>
                 </a:ext>
               </a:extLst>
             </p:cNvPr>
-            <p:cNvCxnSpPr>
-              <a:cxnSpLocks/>
-            </p:cNvCxnSpPr>
+            <p:cNvGrpSpPr/>
             <p:nvPr/>
-          </p:nvCxnSpPr>
-          <p:spPr>
+          </p:nvGrpSpPr>
+          <p:grpSpPr>
             <a:xfrm>
-              <a:off x="2611090" y="771525"/>
-              <a:ext cx="928687" cy="0"/>
+              <a:off x="3666171" y="4283001"/>
+              <a:ext cx="1041500" cy="276999"/>
+              <a:chOff x="2611090" y="551617"/>
+              <a:chExt cx="928687" cy="276999"/>
             </a:xfrm>
-            <a:prstGeom prst="line">
-              <a:avLst/>
-            </a:prstGeom>
-          </p:spPr>
-          <p:style>
-            <a:lnRef idx="1">
-              <a:schemeClr val="dk1"/>
-            </a:lnRef>
-            <a:fillRef idx="0">
-              <a:schemeClr val="dk1"/>
-            </a:fillRef>
-            <a:effectRef idx="0">
-              <a:schemeClr val="dk1"/>
-            </a:effectRef>
-            <a:fontRef idx="minor">
-              <a:schemeClr val="tx1"/>
-            </a:fontRef>
-          </p:style>
-        </p:cxnSp>
-        <p:sp>
-          <p:nvSpPr>
-            <p:cNvPr id="14" name="TextBox 13">
+          </p:grpSpPr>
+          <p:cxnSp>
+            <p:nvCxnSpPr>
+              <p:cNvPr id="7" name="Straight Connector 6">
+                <a:extLst>
+                  <a:ext uri="{FF2B5EF4-FFF2-40B4-BE49-F238E27FC236}">
+                    <a16:creationId xmlns:a16="http://schemas.microsoft.com/office/drawing/2014/main" id="{7493DD84-76AC-94F8-6A79-DC83773B5A7B}"/>
+                  </a:ext>
+                </a:extLst>
+              </p:cNvPr>
+              <p:cNvCxnSpPr>
+                <a:cxnSpLocks/>
+              </p:cNvCxnSpPr>
+              <p:nvPr/>
+            </p:nvCxnSpPr>
+            <p:spPr>
+              <a:xfrm>
+                <a:off x="2611090" y="771525"/>
+                <a:ext cx="928687" cy="0"/>
+              </a:xfrm>
+              <a:prstGeom prst="line">
+                <a:avLst/>
+              </a:prstGeom>
+            </p:spPr>
+            <p:style>
+              <a:lnRef idx="1">
+                <a:schemeClr val="dk1"/>
+              </a:lnRef>
+              <a:fillRef idx="0">
+                <a:schemeClr val="dk1"/>
+              </a:fillRef>
+              <a:effectRef idx="0">
+                <a:schemeClr val="dk1"/>
+              </a:effectRef>
+              <a:fontRef idx="minor">
+                <a:schemeClr val="tx1"/>
+              </a:fontRef>
+            </p:style>
+          </p:cxnSp>
+          <p:sp>
+            <p:nvSpPr>
+              <p:cNvPr id="8" name="TextBox 7">
+                <a:extLst>
+                  <a:ext uri="{FF2B5EF4-FFF2-40B4-BE49-F238E27FC236}">
+                    <a16:creationId xmlns:a16="http://schemas.microsoft.com/office/drawing/2014/main" id="{253B4A29-4DA9-54C5-428A-4C2300AF08F1}"/>
+                  </a:ext>
+                </a:extLst>
+              </p:cNvPr>
+              <p:cNvSpPr txBox="1"/>
+              <p:nvPr/>
+            </p:nvSpPr>
+            <p:spPr>
+              <a:xfrm>
+                <a:off x="2732174" y="551617"/>
+                <a:ext cx="686519" cy="276999"/>
+              </a:xfrm>
+              <a:prstGeom prst="rect">
+                <a:avLst/>
+              </a:prstGeom>
+              <a:noFill/>
+            </p:spPr>
+            <p:txBody>
+              <a:bodyPr wrap="square" rtlCol="0">
+                <a:spAutoFit/>
+              </a:bodyPr>
+              <a:lstStyle/>
+              <a:p>
+                <a:pPr algn="ctr"/>
+                <a:r>
+                  <a:rPr lang="en-US" sz="1200" dirty="0"/>
+                  <a:t>***</a:t>
+                </a:r>
+              </a:p>
+            </p:txBody>
+          </p:sp>
+        </p:grpSp>
+        <p:grpSp>
+          <p:nvGrpSpPr>
+            <p:cNvPr id="12" name="Group 11">
               <a:extLst>
                 <a:ext uri="{FF2B5EF4-FFF2-40B4-BE49-F238E27FC236}">
-                  <a16:creationId xmlns:a16="http://schemas.microsoft.com/office/drawing/2014/main" id="{E89F0A8E-516A-D648-5BE1-9D642354B5E0}"/>
+                  <a16:creationId xmlns:a16="http://schemas.microsoft.com/office/drawing/2014/main" id="{BDF1505A-298D-0515-29D9-7EED3A4B7209}"/>
                 </a:ext>
               </a:extLst>
             </p:cNvPr>
-            <p:cNvSpPr txBox="1"/>
+            <p:cNvGrpSpPr/>
             <p:nvPr/>
-          </p:nvSpPr>
-          <p:spPr>
+          </p:nvGrpSpPr>
+          <p:grpSpPr>
             <a:xfrm>
-              <a:off x="2732174" y="551617"/>
-              <a:ext cx="686518" cy="261610"/>
+              <a:off x="3711799" y="887954"/>
+              <a:ext cx="2218221" cy="261610"/>
+              <a:chOff x="2611090" y="551617"/>
+              <a:chExt cx="928687" cy="261610"/>
             </a:xfrm>
-            <a:prstGeom prst="rect">
-              <a:avLst/>
-            </a:prstGeom>
-            <a:noFill/>
-          </p:spPr>
-          <p:txBody>
-            <a:bodyPr wrap="square" rtlCol="0">
-              <a:spAutoFit/>
-            </a:bodyPr>
-            <a:lstStyle/>
-            <a:p>
-              <a:pPr algn="ctr"/>
-              <a:r>
-                <a:rPr lang="en-US" sz="1100" dirty="0">
-                  <a:latin typeface="Arial" panose="020B0604020202020204" pitchFamily="34" charset="0"/>
-                  <a:cs typeface="Arial" panose="020B0604020202020204" pitchFamily="34" charset="0"/>
-                </a:rPr>
-                <a:t>ns</a:t>
-              </a:r>
-            </a:p>
-          </p:txBody>
-        </p:sp>
-      </p:grpSp>
-      <p:grpSp>
-        <p:nvGrpSpPr>
-          <p:cNvPr id="15" name="Group 14">
-            <a:extLst>
-              <a:ext uri="{FF2B5EF4-FFF2-40B4-BE49-F238E27FC236}">
-                <a16:creationId xmlns:a16="http://schemas.microsoft.com/office/drawing/2014/main" id="{62F9F2AE-F11C-38AD-F390-26A98E0C7FCA}"/>
-              </a:ext>
-            </a:extLst>
-          </p:cNvPr>
-          <p:cNvGrpSpPr/>
-          <p:nvPr/>
-        </p:nvGrpSpPr>
-        <p:grpSpPr>
-          <a:xfrm>
-            <a:off x="6897110" y="887954"/>
-            <a:ext cx="2218221" cy="261610"/>
-            <a:chOff x="2611090" y="551617"/>
-            <a:chExt cx="928687" cy="261610"/>
-          </a:xfrm>
-        </p:grpSpPr>
-        <p:cxnSp>
-          <p:nvCxnSpPr>
-            <p:cNvPr id="16" name="Straight Connector 15">
+          </p:grpSpPr>
+          <p:cxnSp>
+            <p:nvCxnSpPr>
+              <p:cNvPr id="13" name="Straight Connector 12">
+                <a:extLst>
+                  <a:ext uri="{FF2B5EF4-FFF2-40B4-BE49-F238E27FC236}">
+                    <a16:creationId xmlns:a16="http://schemas.microsoft.com/office/drawing/2014/main" id="{A4023781-ECB1-7036-B260-AE5ED4C40E4B}"/>
+                  </a:ext>
+                </a:extLst>
+              </p:cNvPr>
+              <p:cNvCxnSpPr>
+                <a:cxnSpLocks/>
+              </p:cNvCxnSpPr>
+              <p:nvPr/>
+            </p:nvCxnSpPr>
+            <p:spPr>
+              <a:xfrm>
+                <a:off x="2611090" y="771525"/>
+                <a:ext cx="928687" cy="0"/>
+              </a:xfrm>
+              <a:prstGeom prst="line">
+                <a:avLst/>
+              </a:prstGeom>
+            </p:spPr>
+            <p:style>
+              <a:lnRef idx="1">
+                <a:schemeClr val="dk1"/>
+              </a:lnRef>
+              <a:fillRef idx="0">
+                <a:schemeClr val="dk1"/>
+              </a:fillRef>
+              <a:effectRef idx="0">
+                <a:schemeClr val="dk1"/>
+              </a:effectRef>
+              <a:fontRef idx="minor">
+                <a:schemeClr val="tx1"/>
+              </a:fontRef>
+            </p:style>
+          </p:cxnSp>
+          <p:sp>
+            <p:nvSpPr>
+              <p:cNvPr id="14" name="TextBox 13">
+                <a:extLst>
+                  <a:ext uri="{FF2B5EF4-FFF2-40B4-BE49-F238E27FC236}">
+                    <a16:creationId xmlns:a16="http://schemas.microsoft.com/office/drawing/2014/main" id="{E89F0A8E-516A-D648-5BE1-9D642354B5E0}"/>
+                  </a:ext>
+                </a:extLst>
+              </p:cNvPr>
+              <p:cNvSpPr txBox="1"/>
+              <p:nvPr/>
+            </p:nvSpPr>
+            <p:spPr>
+              <a:xfrm>
+                <a:off x="2732174" y="551617"/>
+                <a:ext cx="686518" cy="261610"/>
+              </a:xfrm>
+              <a:prstGeom prst="rect">
+                <a:avLst/>
+              </a:prstGeom>
+              <a:noFill/>
+            </p:spPr>
+            <p:txBody>
+              <a:bodyPr wrap="square" rtlCol="0">
+                <a:spAutoFit/>
+              </a:bodyPr>
+              <a:lstStyle/>
+              <a:p>
+                <a:pPr algn="ctr"/>
+                <a:r>
+                  <a:rPr lang="en-US" sz="1100" dirty="0">
+                    <a:latin typeface="Arial" panose="020B0604020202020204" pitchFamily="34" charset="0"/>
+                    <a:cs typeface="Arial" panose="020B0604020202020204" pitchFamily="34" charset="0"/>
+                  </a:rPr>
+                  <a:t>ns</a:t>
+                </a:r>
+              </a:p>
+            </p:txBody>
+          </p:sp>
+        </p:grpSp>
+        <p:grpSp>
+          <p:nvGrpSpPr>
+            <p:cNvPr id="15" name="Group 14">
               <a:extLst>
                 <a:ext uri="{FF2B5EF4-FFF2-40B4-BE49-F238E27FC236}">
-                  <a16:creationId xmlns:a16="http://schemas.microsoft.com/office/drawing/2014/main" id="{9C59E7B0-23AA-8159-125A-3BB2B69E90AE}"/>
+                  <a16:creationId xmlns:a16="http://schemas.microsoft.com/office/drawing/2014/main" id="{62F9F2AE-F11C-38AD-F390-26A98E0C7FCA}"/>
                 </a:ext>
               </a:extLst>
             </p:cNvPr>
-            <p:cNvCxnSpPr>
-              <a:cxnSpLocks/>
-            </p:cNvCxnSpPr>
+            <p:cNvGrpSpPr/>
             <p:nvPr/>
-          </p:nvCxnSpPr>
-          <p:spPr>
+          </p:nvGrpSpPr>
+          <p:grpSpPr>
             <a:xfrm>
-              <a:off x="2611090" y="771525"/>
-              <a:ext cx="928687" cy="0"/>
+              <a:off x="6897110" y="887954"/>
+              <a:ext cx="2218221" cy="261610"/>
+              <a:chOff x="2611090" y="551617"/>
+              <a:chExt cx="928687" cy="261610"/>
             </a:xfrm>
-            <a:prstGeom prst="line">
-              <a:avLst/>
-            </a:prstGeom>
-          </p:spPr>
-          <p:style>
-            <a:lnRef idx="1">
-              <a:schemeClr val="dk1"/>
-            </a:lnRef>
-            <a:fillRef idx="0">
-              <a:schemeClr val="dk1"/>
-            </a:fillRef>
-            <a:effectRef idx="0">
-              <a:schemeClr val="dk1"/>
-            </a:effectRef>
-            <a:fontRef idx="minor">
-              <a:schemeClr val="tx1"/>
-            </a:fontRef>
-          </p:style>
-        </p:cxnSp>
-        <p:sp>
-          <p:nvSpPr>
-            <p:cNvPr id="17" name="TextBox 16">
+          </p:grpSpPr>
+          <p:cxnSp>
+            <p:nvCxnSpPr>
+              <p:cNvPr id="16" name="Straight Connector 15">
+                <a:extLst>
+                  <a:ext uri="{FF2B5EF4-FFF2-40B4-BE49-F238E27FC236}">
+                    <a16:creationId xmlns:a16="http://schemas.microsoft.com/office/drawing/2014/main" id="{9C59E7B0-23AA-8159-125A-3BB2B69E90AE}"/>
+                  </a:ext>
+                </a:extLst>
+              </p:cNvPr>
+              <p:cNvCxnSpPr>
+                <a:cxnSpLocks/>
+              </p:cNvCxnSpPr>
+              <p:nvPr/>
+            </p:nvCxnSpPr>
+            <p:spPr>
+              <a:xfrm>
+                <a:off x="2611090" y="771525"/>
+                <a:ext cx="928687" cy="0"/>
+              </a:xfrm>
+              <a:prstGeom prst="line">
+                <a:avLst/>
+              </a:prstGeom>
+            </p:spPr>
+            <p:style>
+              <a:lnRef idx="1">
+                <a:schemeClr val="dk1"/>
+              </a:lnRef>
+              <a:fillRef idx="0">
+                <a:schemeClr val="dk1"/>
+              </a:fillRef>
+              <a:effectRef idx="0">
+                <a:schemeClr val="dk1"/>
+              </a:effectRef>
+              <a:fontRef idx="minor">
+                <a:schemeClr val="tx1"/>
+              </a:fontRef>
+            </p:style>
+          </p:cxnSp>
+          <p:sp>
+            <p:nvSpPr>
+              <p:cNvPr id="17" name="TextBox 16">
+                <a:extLst>
+                  <a:ext uri="{FF2B5EF4-FFF2-40B4-BE49-F238E27FC236}">
+                    <a16:creationId xmlns:a16="http://schemas.microsoft.com/office/drawing/2014/main" id="{C7F66AFC-82A5-9A32-C1E0-735FB08AC059}"/>
+                  </a:ext>
+                </a:extLst>
+              </p:cNvPr>
+              <p:cNvSpPr txBox="1"/>
+              <p:nvPr/>
+            </p:nvSpPr>
+            <p:spPr>
+              <a:xfrm>
+                <a:off x="2732174" y="551617"/>
+                <a:ext cx="686518" cy="261610"/>
+              </a:xfrm>
+              <a:prstGeom prst="rect">
+                <a:avLst/>
+              </a:prstGeom>
+              <a:noFill/>
+            </p:spPr>
+            <p:txBody>
+              <a:bodyPr wrap="square" rtlCol="0">
+                <a:spAutoFit/>
+              </a:bodyPr>
+              <a:lstStyle/>
+              <a:p>
+                <a:pPr algn="ctr"/>
+                <a:r>
+                  <a:rPr lang="en-US" sz="1100" dirty="0">
+                    <a:latin typeface="Arial" panose="020B0604020202020204" pitchFamily="34" charset="0"/>
+                    <a:cs typeface="Arial" panose="020B0604020202020204" pitchFamily="34" charset="0"/>
+                  </a:rPr>
+                  <a:t>ns</a:t>
+                </a:r>
+              </a:p>
+            </p:txBody>
+          </p:sp>
+        </p:grpSp>
+        <p:grpSp>
+          <p:nvGrpSpPr>
+            <p:cNvPr id="18" name="Group 17">
               <a:extLst>
                 <a:ext uri="{FF2B5EF4-FFF2-40B4-BE49-F238E27FC236}">
-                  <a16:creationId xmlns:a16="http://schemas.microsoft.com/office/drawing/2014/main" id="{C7F66AFC-82A5-9A32-C1E0-735FB08AC059}"/>
+                  <a16:creationId xmlns:a16="http://schemas.microsoft.com/office/drawing/2014/main" id="{37FA98BD-9BF0-14B2-9A12-2AC4A5D5B791}"/>
                 </a:ext>
               </a:extLst>
             </p:cNvPr>
-            <p:cNvSpPr txBox="1"/>
+            <p:cNvGrpSpPr/>
             <p:nvPr/>
-          </p:nvSpPr>
-          <p:spPr>
+          </p:nvGrpSpPr>
+          <p:grpSpPr>
             <a:xfrm>
-              <a:off x="2732174" y="551617"/>
-              <a:ext cx="686518" cy="261610"/>
+              <a:off x="7556504" y="4743220"/>
+              <a:ext cx="455813" cy="261610"/>
+              <a:chOff x="2611090" y="551617"/>
+              <a:chExt cx="928687" cy="261610"/>
             </a:xfrm>
-            <a:prstGeom prst="rect">
-              <a:avLst/>
-            </a:prstGeom>
-            <a:noFill/>
-          </p:spPr>
-          <p:txBody>
-            <a:bodyPr wrap="square" rtlCol="0">
-              <a:spAutoFit/>
-            </a:bodyPr>
-            <a:lstStyle/>
-            <a:p>
-              <a:pPr algn="ctr"/>
-              <a:r>
-                <a:rPr lang="en-US" sz="1100" dirty="0">
-                  <a:latin typeface="Arial" panose="020B0604020202020204" pitchFamily="34" charset="0"/>
-                  <a:cs typeface="Arial" panose="020B0604020202020204" pitchFamily="34" charset="0"/>
-                </a:rPr>
-                <a:t>ns</a:t>
-              </a:r>
-            </a:p>
-          </p:txBody>
-        </p:sp>
-      </p:grpSp>
-      <p:grpSp>
-        <p:nvGrpSpPr>
-          <p:cNvPr id="18" name="Group 17">
-            <a:extLst>
-              <a:ext uri="{FF2B5EF4-FFF2-40B4-BE49-F238E27FC236}">
-                <a16:creationId xmlns:a16="http://schemas.microsoft.com/office/drawing/2014/main" id="{37FA98BD-9BF0-14B2-9A12-2AC4A5D5B791}"/>
-              </a:ext>
-            </a:extLst>
-          </p:cNvPr>
-          <p:cNvGrpSpPr/>
-          <p:nvPr/>
-        </p:nvGrpSpPr>
-        <p:grpSpPr>
-          <a:xfrm>
-            <a:off x="7556504" y="4743220"/>
-            <a:ext cx="455813" cy="261610"/>
-            <a:chOff x="2611090" y="551617"/>
-            <a:chExt cx="928687" cy="261610"/>
-          </a:xfrm>
-        </p:grpSpPr>
-        <p:cxnSp>
-          <p:nvCxnSpPr>
-            <p:cNvPr id="19" name="Straight Connector 18">
+          </p:grpSpPr>
+          <p:cxnSp>
+            <p:nvCxnSpPr>
+              <p:cNvPr id="19" name="Straight Connector 18">
+                <a:extLst>
+                  <a:ext uri="{FF2B5EF4-FFF2-40B4-BE49-F238E27FC236}">
+                    <a16:creationId xmlns:a16="http://schemas.microsoft.com/office/drawing/2014/main" id="{A44A5B13-CBE8-95B5-8638-9C253DBE96AF}"/>
+                  </a:ext>
+                </a:extLst>
+              </p:cNvPr>
+              <p:cNvCxnSpPr>
+                <a:cxnSpLocks/>
+              </p:cNvCxnSpPr>
+              <p:nvPr/>
+            </p:nvCxnSpPr>
+            <p:spPr>
+              <a:xfrm>
+                <a:off x="2611090" y="771525"/>
+                <a:ext cx="928687" cy="0"/>
+              </a:xfrm>
+              <a:prstGeom prst="line">
+                <a:avLst/>
+              </a:prstGeom>
+            </p:spPr>
+            <p:style>
+              <a:lnRef idx="1">
+                <a:schemeClr val="dk1"/>
+              </a:lnRef>
+              <a:fillRef idx="0">
+                <a:schemeClr val="dk1"/>
+              </a:fillRef>
+              <a:effectRef idx="0">
+                <a:schemeClr val="dk1"/>
+              </a:effectRef>
+              <a:fontRef idx="minor">
+                <a:schemeClr val="tx1"/>
+              </a:fontRef>
+            </p:style>
+          </p:cxnSp>
+          <p:sp>
+            <p:nvSpPr>
+              <p:cNvPr id="20" name="TextBox 19">
+                <a:extLst>
+                  <a:ext uri="{FF2B5EF4-FFF2-40B4-BE49-F238E27FC236}">
+                    <a16:creationId xmlns:a16="http://schemas.microsoft.com/office/drawing/2014/main" id="{2591920B-F77B-1F53-81BA-C8CEAA7A8FFB}"/>
+                  </a:ext>
+                </a:extLst>
+              </p:cNvPr>
+              <p:cNvSpPr txBox="1"/>
+              <p:nvPr/>
+            </p:nvSpPr>
+            <p:spPr>
+              <a:xfrm>
+                <a:off x="2732174" y="551617"/>
+                <a:ext cx="686518" cy="261610"/>
+              </a:xfrm>
+              <a:prstGeom prst="rect">
+                <a:avLst/>
+              </a:prstGeom>
+              <a:noFill/>
+            </p:spPr>
+            <p:txBody>
+              <a:bodyPr wrap="square" rtlCol="0">
+                <a:spAutoFit/>
+              </a:bodyPr>
+              <a:lstStyle/>
+              <a:p>
+                <a:pPr algn="ctr"/>
+                <a:r>
+                  <a:rPr lang="en-US" sz="1100" dirty="0">
+                    <a:latin typeface="Arial" panose="020B0604020202020204" pitchFamily="34" charset="0"/>
+                    <a:cs typeface="Arial" panose="020B0604020202020204" pitchFamily="34" charset="0"/>
+                  </a:rPr>
+                  <a:t>ns</a:t>
+                </a:r>
+              </a:p>
+            </p:txBody>
+          </p:sp>
+        </p:grpSp>
+        <p:grpSp>
+          <p:nvGrpSpPr>
+            <p:cNvPr id="21" name="Group 20">
               <a:extLst>
                 <a:ext uri="{FF2B5EF4-FFF2-40B4-BE49-F238E27FC236}">
-                  <a16:creationId xmlns:a16="http://schemas.microsoft.com/office/drawing/2014/main" id="{A44A5B13-CBE8-95B5-8638-9C253DBE96AF}"/>
+                  <a16:creationId xmlns:a16="http://schemas.microsoft.com/office/drawing/2014/main" id="{D57C3D69-E2BF-2AA1-6D6E-F68EAE3E17EB}"/>
                 </a:ext>
               </a:extLst>
             </p:cNvPr>
-            <p:cNvCxnSpPr>
-              <a:cxnSpLocks/>
-            </p:cNvCxnSpPr>
+            <p:cNvGrpSpPr/>
             <p:nvPr/>
-          </p:nvCxnSpPr>
-          <p:spPr>
+          </p:nvGrpSpPr>
+          <p:grpSpPr>
             <a:xfrm>
-              <a:off x="2611090" y="771525"/>
-              <a:ext cx="928687" cy="0"/>
+              <a:off x="8252111" y="4241299"/>
+              <a:ext cx="1041500" cy="261610"/>
+              <a:chOff x="2611090" y="551617"/>
+              <a:chExt cx="928687" cy="261610"/>
             </a:xfrm>
-            <a:prstGeom prst="line">
-              <a:avLst/>
-            </a:prstGeom>
-          </p:spPr>
-          <p:style>
-            <a:lnRef idx="1">
-              <a:schemeClr val="dk1"/>
-            </a:lnRef>
-            <a:fillRef idx="0">
-              <a:schemeClr val="dk1"/>
-            </a:fillRef>
-            <a:effectRef idx="0">
-              <a:schemeClr val="dk1"/>
-            </a:effectRef>
-            <a:fontRef idx="minor">
-              <a:schemeClr val="tx1"/>
-            </a:fontRef>
-          </p:style>
-        </p:cxnSp>
-        <p:sp>
-          <p:nvSpPr>
-            <p:cNvPr id="20" name="TextBox 19">
+          </p:grpSpPr>
+          <p:cxnSp>
+            <p:nvCxnSpPr>
+              <p:cNvPr id="22" name="Straight Connector 21">
+                <a:extLst>
+                  <a:ext uri="{FF2B5EF4-FFF2-40B4-BE49-F238E27FC236}">
+                    <a16:creationId xmlns:a16="http://schemas.microsoft.com/office/drawing/2014/main" id="{3168B51C-F135-8952-FDBC-4858F6F94EFA}"/>
+                  </a:ext>
+                </a:extLst>
+              </p:cNvPr>
+              <p:cNvCxnSpPr>
+                <a:cxnSpLocks/>
+              </p:cNvCxnSpPr>
+              <p:nvPr/>
+            </p:nvCxnSpPr>
+            <p:spPr>
+              <a:xfrm>
+                <a:off x="2611090" y="771525"/>
+                <a:ext cx="928687" cy="0"/>
+              </a:xfrm>
+              <a:prstGeom prst="line">
+                <a:avLst/>
+              </a:prstGeom>
+            </p:spPr>
+            <p:style>
+              <a:lnRef idx="1">
+                <a:schemeClr val="dk1"/>
+              </a:lnRef>
+              <a:fillRef idx="0">
+                <a:schemeClr val="dk1"/>
+              </a:fillRef>
+              <a:effectRef idx="0">
+                <a:schemeClr val="dk1"/>
+              </a:effectRef>
+              <a:fontRef idx="minor">
+                <a:schemeClr val="tx1"/>
+              </a:fontRef>
+            </p:style>
+          </p:cxnSp>
+          <p:sp>
+            <p:nvSpPr>
+              <p:cNvPr id="23" name="TextBox 22">
+                <a:extLst>
+                  <a:ext uri="{FF2B5EF4-FFF2-40B4-BE49-F238E27FC236}">
+                    <a16:creationId xmlns:a16="http://schemas.microsoft.com/office/drawing/2014/main" id="{E9BAC0DB-476F-9BB3-B886-CF83AE34B26D}"/>
+                  </a:ext>
+                </a:extLst>
+              </p:cNvPr>
+              <p:cNvSpPr txBox="1"/>
+              <p:nvPr/>
+            </p:nvSpPr>
+            <p:spPr>
+              <a:xfrm>
+                <a:off x="2732174" y="551617"/>
+                <a:ext cx="686518" cy="261610"/>
+              </a:xfrm>
+              <a:prstGeom prst="rect">
+                <a:avLst/>
+              </a:prstGeom>
+              <a:noFill/>
+            </p:spPr>
+            <p:txBody>
+              <a:bodyPr wrap="square" rtlCol="0">
+                <a:spAutoFit/>
+              </a:bodyPr>
+              <a:lstStyle/>
+              <a:p>
+                <a:pPr algn="ctr"/>
+                <a:r>
+                  <a:rPr lang="en-US" sz="1100" dirty="0">
+                    <a:latin typeface="Arial" panose="020B0604020202020204" pitchFamily="34" charset="0"/>
+                    <a:cs typeface="Arial" panose="020B0604020202020204" pitchFamily="34" charset="0"/>
+                  </a:rPr>
+                  <a:t>ns</a:t>
+                </a:r>
+              </a:p>
+            </p:txBody>
+          </p:sp>
+        </p:grpSp>
+        <p:grpSp>
+          <p:nvGrpSpPr>
+            <p:cNvPr id="24" name="Group 23">
               <a:extLst>
                 <a:ext uri="{FF2B5EF4-FFF2-40B4-BE49-F238E27FC236}">
-                  <a16:creationId xmlns:a16="http://schemas.microsoft.com/office/drawing/2014/main" id="{2591920B-F77B-1F53-81BA-C8CEAA7A8FFB}"/>
+                  <a16:creationId xmlns:a16="http://schemas.microsoft.com/office/drawing/2014/main" id="{57ADD6D3-D05F-5F12-3514-E4A7A120A0FC}"/>
                 </a:ext>
               </a:extLst>
             </p:cNvPr>
-            <p:cNvSpPr txBox="1"/>
+            <p:cNvGrpSpPr/>
             <p:nvPr/>
-          </p:nvSpPr>
-          <p:spPr>
+          </p:nvGrpSpPr>
+          <p:grpSpPr>
             <a:xfrm>
-              <a:off x="2732174" y="551617"/>
-              <a:ext cx="686518" cy="261610"/>
+              <a:off x="8236440" y="4612415"/>
+              <a:ext cx="455813" cy="261610"/>
+              <a:chOff x="2611090" y="551617"/>
+              <a:chExt cx="928687" cy="261610"/>
             </a:xfrm>
-            <a:prstGeom prst="rect">
-              <a:avLst/>
-            </a:prstGeom>
-            <a:noFill/>
-          </p:spPr>
-          <p:txBody>
-            <a:bodyPr wrap="square" rtlCol="0">
-              <a:spAutoFit/>
-            </a:bodyPr>
-            <a:lstStyle/>
-            <a:p>
-              <a:pPr algn="ctr"/>
-              <a:r>
-                <a:rPr lang="en-US" sz="1100" dirty="0">
-                  <a:latin typeface="Arial" panose="020B0604020202020204" pitchFamily="34" charset="0"/>
-                  <a:cs typeface="Arial" panose="020B0604020202020204" pitchFamily="34" charset="0"/>
-                </a:rPr>
-                <a:t>ns</a:t>
-              </a:r>
-            </a:p>
-          </p:txBody>
-        </p:sp>
-      </p:grpSp>
-      <p:grpSp>
-        <p:nvGrpSpPr>
-          <p:cNvPr id="21" name="Group 20">
-            <a:extLst>
-              <a:ext uri="{FF2B5EF4-FFF2-40B4-BE49-F238E27FC236}">
-                <a16:creationId xmlns:a16="http://schemas.microsoft.com/office/drawing/2014/main" id="{D57C3D69-E2BF-2AA1-6D6E-F68EAE3E17EB}"/>
-              </a:ext>
-            </a:extLst>
-          </p:cNvPr>
-          <p:cNvGrpSpPr/>
-          <p:nvPr/>
-        </p:nvGrpSpPr>
-        <p:grpSpPr>
-          <a:xfrm>
-            <a:off x="8252111" y="4241299"/>
-            <a:ext cx="1041500" cy="261610"/>
-            <a:chOff x="2611090" y="551617"/>
-            <a:chExt cx="928687" cy="261610"/>
-          </a:xfrm>
-        </p:grpSpPr>
-        <p:cxnSp>
-          <p:nvCxnSpPr>
-            <p:cNvPr id="22" name="Straight Connector 21">
+          </p:grpSpPr>
+          <p:cxnSp>
+            <p:nvCxnSpPr>
+              <p:cNvPr id="25" name="Straight Connector 24">
+                <a:extLst>
+                  <a:ext uri="{FF2B5EF4-FFF2-40B4-BE49-F238E27FC236}">
+                    <a16:creationId xmlns:a16="http://schemas.microsoft.com/office/drawing/2014/main" id="{13D0AA06-97CE-5EDC-DB2F-48952157A9BB}"/>
+                  </a:ext>
+                </a:extLst>
+              </p:cNvPr>
+              <p:cNvCxnSpPr>
+                <a:cxnSpLocks/>
+              </p:cNvCxnSpPr>
+              <p:nvPr/>
+            </p:nvCxnSpPr>
+            <p:spPr>
+              <a:xfrm>
+                <a:off x="2611090" y="771525"/>
+                <a:ext cx="928687" cy="0"/>
+              </a:xfrm>
+              <a:prstGeom prst="line">
+                <a:avLst/>
+              </a:prstGeom>
+            </p:spPr>
+            <p:style>
+              <a:lnRef idx="1">
+                <a:schemeClr val="dk1"/>
+              </a:lnRef>
+              <a:fillRef idx="0">
+                <a:schemeClr val="dk1"/>
+              </a:fillRef>
+              <a:effectRef idx="0">
+                <a:schemeClr val="dk1"/>
+              </a:effectRef>
+              <a:fontRef idx="minor">
+                <a:schemeClr val="tx1"/>
+              </a:fontRef>
+            </p:style>
+          </p:cxnSp>
+          <p:sp>
+            <p:nvSpPr>
+              <p:cNvPr id="26" name="TextBox 25">
+                <a:extLst>
+                  <a:ext uri="{FF2B5EF4-FFF2-40B4-BE49-F238E27FC236}">
+                    <a16:creationId xmlns:a16="http://schemas.microsoft.com/office/drawing/2014/main" id="{026D119A-132A-01A4-8578-AE5295ADE18B}"/>
+                  </a:ext>
+                </a:extLst>
+              </p:cNvPr>
+              <p:cNvSpPr txBox="1"/>
+              <p:nvPr/>
+            </p:nvSpPr>
+            <p:spPr>
+              <a:xfrm>
+                <a:off x="2732174" y="551617"/>
+                <a:ext cx="686518" cy="261610"/>
+              </a:xfrm>
+              <a:prstGeom prst="rect">
+                <a:avLst/>
+              </a:prstGeom>
+              <a:noFill/>
+            </p:spPr>
+            <p:txBody>
+              <a:bodyPr wrap="square" rtlCol="0">
+                <a:spAutoFit/>
+              </a:bodyPr>
+              <a:lstStyle/>
+              <a:p>
+                <a:pPr algn="ctr"/>
+                <a:r>
+                  <a:rPr lang="en-US" sz="1100" dirty="0">
+                    <a:latin typeface="Arial" panose="020B0604020202020204" pitchFamily="34" charset="0"/>
+                    <a:cs typeface="Arial" panose="020B0604020202020204" pitchFamily="34" charset="0"/>
+                  </a:rPr>
+                  <a:t>ns</a:t>
+                </a:r>
+              </a:p>
+            </p:txBody>
+          </p:sp>
+        </p:grpSp>
+        <p:grpSp>
+          <p:nvGrpSpPr>
+            <p:cNvPr id="27" name="Group 26">
               <a:extLst>
                 <a:ext uri="{FF2B5EF4-FFF2-40B4-BE49-F238E27FC236}">
-                  <a16:creationId xmlns:a16="http://schemas.microsoft.com/office/drawing/2014/main" id="{3168B51C-F135-8952-FDBC-4858F6F94EFA}"/>
+                  <a16:creationId xmlns:a16="http://schemas.microsoft.com/office/drawing/2014/main" id="{273ECB6A-060D-3024-0117-EB0DC01C7863}"/>
                 </a:ext>
               </a:extLst>
             </p:cNvPr>
-            <p:cNvCxnSpPr>
-              <a:cxnSpLocks/>
-            </p:cNvCxnSpPr>
+            <p:cNvGrpSpPr/>
             <p:nvPr/>
-          </p:nvCxnSpPr>
-          <p:spPr>
+          </p:nvGrpSpPr>
+          <p:grpSpPr>
             <a:xfrm>
-              <a:off x="2611090" y="771525"/>
-              <a:ext cx="928687" cy="0"/>
+              <a:off x="8879927" y="4612415"/>
+              <a:ext cx="455813" cy="261610"/>
+              <a:chOff x="2611090" y="551617"/>
+              <a:chExt cx="928687" cy="261610"/>
             </a:xfrm>
-            <a:prstGeom prst="line">
-              <a:avLst/>
-            </a:prstGeom>
-          </p:spPr>
-          <p:style>
-            <a:lnRef idx="1">
-              <a:schemeClr val="dk1"/>
-            </a:lnRef>
-            <a:fillRef idx="0">
-              <a:schemeClr val="dk1"/>
-            </a:fillRef>
-            <a:effectRef idx="0">
-              <a:schemeClr val="dk1"/>
-            </a:effectRef>
-            <a:fontRef idx="minor">
-              <a:schemeClr val="tx1"/>
-            </a:fontRef>
-          </p:style>
-        </p:cxnSp>
-        <p:sp>
-          <p:nvSpPr>
-            <p:cNvPr id="23" name="TextBox 22">
+          </p:grpSpPr>
+          <p:cxnSp>
+            <p:nvCxnSpPr>
+              <p:cNvPr id="28" name="Straight Connector 27">
+                <a:extLst>
+                  <a:ext uri="{FF2B5EF4-FFF2-40B4-BE49-F238E27FC236}">
+                    <a16:creationId xmlns:a16="http://schemas.microsoft.com/office/drawing/2014/main" id="{EED868D9-3B3D-8C42-5827-1146B6E993DF}"/>
+                  </a:ext>
+                </a:extLst>
+              </p:cNvPr>
+              <p:cNvCxnSpPr>
+                <a:cxnSpLocks/>
+              </p:cNvCxnSpPr>
+              <p:nvPr/>
+            </p:nvCxnSpPr>
+            <p:spPr>
+              <a:xfrm>
+                <a:off x="2611090" y="771525"/>
+                <a:ext cx="928687" cy="0"/>
+              </a:xfrm>
+              <a:prstGeom prst="line">
+                <a:avLst/>
+              </a:prstGeom>
+            </p:spPr>
+            <p:style>
+              <a:lnRef idx="1">
+                <a:schemeClr val="dk1"/>
+              </a:lnRef>
+              <a:fillRef idx="0">
+                <a:schemeClr val="dk1"/>
+              </a:fillRef>
+              <a:effectRef idx="0">
+                <a:schemeClr val="dk1"/>
+              </a:effectRef>
+              <a:fontRef idx="minor">
+                <a:schemeClr val="tx1"/>
+              </a:fontRef>
+            </p:style>
+          </p:cxnSp>
+          <p:sp>
+            <p:nvSpPr>
+              <p:cNvPr id="29" name="TextBox 28">
+                <a:extLst>
+                  <a:ext uri="{FF2B5EF4-FFF2-40B4-BE49-F238E27FC236}">
+                    <a16:creationId xmlns:a16="http://schemas.microsoft.com/office/drawing/2014/main" id="{CF0C0F3F-697C-46E8-018D-DBF25B4696C8}"/>
+                  </a:ext>
+                </a:extLst>
+              </p:cNvPr>
+              <p:cNvSpPr txBox="1"/>
+              <p:nvPr/>
+            </p:nvSpPr>
+            <p:spPr>
+              <a:xfrm>
+                <a:off x="2732174" y="551617"/>
+                <a:ext cx="686518" cy="261610"/>
+              </a:xfrm>
+              <a:prstGeom prst="rect">
+                <a:avLst/>
+              </a:prstGeom>
+              <a:noFill/>
+            </p:spPr>
+            <p:txBody>
+              <a:bodyPr wrap="square" rtlCol="0">
+                <a:spAutoFit/>
+              </a:bodyPr>
+              <a:lstStyle/>
+              <a:p>
+                <a:pPr algn="ctr"/>
+                <a:r>
+                  <a:rPr lang="en-US" sz="1100" dirty="0">
+                    <a:latin typeface="Arial" panose="020B0604020202020204" pitchFamily="34" charset="0"/>
+                    <a:cs typeface="Arial" panose="020B0604020202020204" pitchFamily="34" charset="0"/>
+                  </a:rPr>
+                  <a:t>ns</a:t>
+                </a:r>
+              </a:p>
+            </p:txBody>
+          </p:sp>
+        </p:grpSp>
+        <p:grpSp>
+          <p:nvGrpSpPr>
+            <p:cNvPr id="33" name="Group 32">
               <a:extLst>
                 <a:ext uri="{FF2B5EF4-FFF2-40B4-BE49-F238E27FC236}">
-                  <a16:creationId xmlns:a16="http://schemas.microsoft.com/office/drawing/2014/main" id="{E9BAC0DB-476F-9BB3-B886-CF83AE34B26D}"/>
+                  <a16:creationId xmlns:a16="http://schemas.microsoft.com/office/drawing/2014/main" id="{F9971A47-838D-D514-9560-FE38EC98259E}"/>
                 </a:ext>
               </a:extLst>
             </p:cNvPr>
-            <p:cNvSpPr txBox="1"/>
+            <p:cNvGrpSpPr/>
             <p:nvPr/>
-          </p:nvSpPr>
-          <p:spPr>
+          </p:nvGrpSpPr>
+          <p:grpSpPr>
             <a:xfrm>
-              <a:off x="2732174" y="551617"/>
-              <a:ext cx="686518" cy="261610"/>
+              <a:off x="7840056" y="4301514"/>
+              <a:ext cx="455814" cy="276999"/>
+              <a:chOff x="2611090" y="551617"/>
+              <a:chExt cx="928687" cy="276999"/>
             </a:xfrm>
-            <a:prstGeom prst="rect">
-              <a:avLst/>
-            </a:prstGeom>
-            <a:noFill/>
-          </p:spPr>
-          <p:txBody>
-            <a:bodyPr wrap="square" rtlCol="0">
-              <a:spAutoFit/>
-            </a:bodyPr>
-            <a:lstStyle/>
-            <a:p>
-              <a:pPr algn="ctr"/>
-              <a:r>
-                <a:rPr lang="en-US" sz="1100" dirty="0">
-                  <a:latin typeface="Arial" panose="020B0604020202020204" pitchFamily="34" charset="0"/>
-                  <a:cs typeface="Arial" panose="020B0604020202020204" pitchFamily="34" charset="0"/>
-                </a:rPr>
-                <a:t>ns</a:t>
-              </a:r>
-            </a:p>
-          </p:txBody>
-        </p:sp>
-      </p:grpSp>
-      <p:grpSp>
-        <p:nvGrpSpPr>
-          <p:cNvPr id="24" name="Group 23">
-            <a:extLst>
-              <a:ext uri="{FF2B5EF4-FFF2-40B4-BE49-F238E27FC236}">
-                <a16:creationId xmlns:a16="http://schemas.microsoft.com/office/drawing/2014/main" id="{57ADD6D3-D05F-5F12-3514-E4A7A120A0FC}"/>
-              </a:ext>
-            </a:extLst>
-          </p:cNvPr>
-          <p:cNvGrpSpPr/>
-          <p:nvPr/>
-        </p:nvGrpSpPr>
-        <p:grpSpPr>
-          <a:xfrm>
-            <a:off x="8236440" y="4612415"/>
-            <a:ext cx="455813" cy="261610"/>
-            <a:chOff x="2611090" y="551617"/>
-            <a:chExt cx="928687" cy="261610"/>
-          </a:xfrm>
-        </p:grpSpPr>
-        <p:cxnSp>
-          <p:nvCxnSpPr>
-            <p:cNvPr id="25" name="Straight Connector 24">
-              <a:extLst>
-                <a:ext uri="{FF2B5EF4-FFF2-40B4-BE49-F238E27FC236}">
-                  <a16:creationId xmlns:a16="http://schemas.microsoft.com/office/drawing/2014/main" id="{13D0AA06-97CE-5EDC-DB2F-48952157A9BB}"/>
-                </a:ext>
-              </a:extLst>
-            </p:cNvPr>
-            <p:cNvCxnSpPr>
-              <a:cxnSpLocks/>
-            </p:cNvCxnSpPr>
-            <p:nvPr/>
-          </p:nvCxnSpPr>
-          <p:spPr>
-            <a:xfrm>
-              <a:off x="2611090" y="771525"/>
-              <a:ext cx="928687" cy="0"/>
-            </a:xfrm>
-            <a:prstGeom prst="line">
-              <a:avLst/>
-            </a:prstGeom>
-          </p:spPr>
-          <p:style>
-            <a:lnRef idx="1">
-              <a:schemeClr val="dk1"/>
-            </a:lnRef>
-            <a:fillRef idx="0">
-              <a:schemeClr val="dk1"/>
-            </a:fillRef>
-            <a:effectRef idx="0">
-              <a:schemeClr val="dk1"/>
-            </a:effectRef>
-            <a:fontRef idx="minor">
-              <a:schemeClr val="tx1"/>
-            </a:fontRef>
-          </p:style>
-        </p:cxnSp>
-        <p:sp>
-          <p:nvSpPr>
-            <p:cNvPr id="26" name="TextBox 25">
-              <a:extLst>
-                <a:ext uri="{FF2B5EF4-FFF2-40B4-BE49-F238E27FC236}">
-                  <a16:creationId xmlns:a16="http://schemas.microsoft.com/office/drawing/2014/main" id="{026D119A-132A-01A4-8578-AE5295ADE18B}"/>
-                </a:ext>
-              </a:extLst>
-            </p:cNvPr>
-            <p:cNvSpPr txBox="1"/>
-            <p:nvPr/>
-          </p:nvSpPr>
-          <p:spPr>
-            <a:xfrm>
-              <a:off x="2732174" y="551617"/>
-              <a:ext cx="686518" cy="261610"/>
-            </a:xfrm>
-            <a:prstGeom prst="rect">
-              <a:avLst/>
-            </a:prstGeom>
-            <a:noFill/>
-          </p:spPr>
-          <p:txBody>
-            <a:bodyPr wrap="square" rtlCol="0">
-              <a:spAutoFit/>
-            </a:bodyPr>
-            <a:lstStyle/>
-            <a:p>
-              <a:pPr algn="ctr"/>
-              <a:r>
-                <a:rPr lang="en-US" sz="1100" dirty="0">
-                  <a:latin typeface="Arial" panose="020B0604020202020204" pitchFamily="34" charset="0"/>
-                  <a:cs typeface="Arial" panose="020B0604020202020204" pitchFamily="34" charset="0"/>
-                </a:rPr>
-                <a:t>ns</a:t>
-              </a:r>
-            </a:p>
-          </p:txBody>
-        </p:sp>
-      </p:grpSp>
-      <p:grpSp>
-        <p:nvGrpSpPr>
-          <p:cNvPr id="27" name="Group 26">
-            <a:extLst>
-              <a:ext uri="{FF2B5EF4-FFF2-40B4-BE49-F238E27FC236}">
-                <a16:creationId xmlns:a16="http://schemas.microsoft.com/office/drawing/2014/main" id="{273ECB6A-060D-3024-0117-EB0DC01C7863}"/>
-              </a:ext>
-            </a:extLst>
-          </p:cNvPr>
-          <p:cNvGrpSpPr/>
-          <p:nvPr/>
-        </p:nvGrpSpPr>
-        <p:grpSpPr>
-          <a:xfrm>
-            <a:off x="8879927" y="4612415"/>
-            <a:ext cx="455813" cy="261610"/>
-            <a:chOff x="2611090" y="551617"/>
-            <a:chExt cx="928687" cy="261610"/>
-          </a:xfrm>
-        </p:grpSpPr>
-        <p:cxnSp>
-          <p:nvCxnSpPr>
-            <p:cNvPr id="28" name="Straight Connector 27">
-              <a:extLst>
-                <a:ext uri="{FF2B5EF4-FFF2-40B4-BE49-F238E27FC236}">
-                  <a16:creationId xmlns:a16="http://schemas.microsoft.com/office/drawing/2014/main" id="{EED868D9-3B3D-8C42-5827-1146B6E993DF}"/>
-                </a:ext>
-              </a:extLst>
-            </p:cNvPr>
-            <p:cNvCxnSpPr>
-              <a:cxnSpLocks/>
-            </p:cNvCxnSpPr>
-            <p:nvPr/>
-          </p:nvCxnSpPr>
-          <p:spPr>
-            <a:xfrm>
-              <a:off x="2611090" y="771525"/>
-              <a:ext cx="928687" cy="0"/>
-            </a:xfrm>
-            <a:prstGeom prst="line">
-              <a:avLst/>
-            </a:prstGeom>
-          </p:spPr>
-          <p:style>
-            <a:lnRef idx="1">
-              <a:schemeClr val="dk1"/>
-            </a:lnRef>
-            <a:fillRef idx="0">
-              <a:schemeClr val="dk1"/>
-            </a:fillRef>
-            <a:effectRef idx="0">
-              <a:schemeClr val="dk1"/>
-            </a:effectRef>
-            <a:fontRef idx="minor">
-              <a:schemeClr val="tx1"/>
-            </a:fontRef>
-          </p:style>
-        </p:cxnSp>
-        <p:sp>
-          <p:nvSpPr>
-            <p:cNvPr id="29" name="TextBox 28">
-              <a:extLst>
-                <a:ext uri="{FF2B5EF4-FFF2-40B4-BE49-F238E27FC236}">
-                  <a16:creationId xmlns:a16="http://schemas.microsoft.com/office/drawing/2014/main" id="{CF0C0F3F-697C-46E8-018D-DBF25B4696C8}"/>
-                </a:ext>
-              </a:extLst>
-            </p:cNvPr>
-            <p:cNvSpPr txBox="1"/>
-            <p:nvPr/>
-          </p:nvSpPr>
-          <p:spPr>
-            <a:xfrm>
-              <a:off x="2732174" y="551617"/>
-              <a:ext cx="686518" cy="261610"/>
-            </a:xfrm>
-            <a:prstGeom prst="rect">
-              <a:avLst/>
-            </a:prstGeom>
-            <a:noFill/>
-          </p:spPr>
-          <p:txBody>
-            <a:bodyPr wrap="square" rtlCol="0">
-              <a:spAutoFit/>
-            </a:bodyPr>
-            <a:lstStyle/>
-            <a:p>
-              <a:pPr algn="ctr"/>
-              <a:r>
-                <a:rPr lang="en-US" sz="1100" dirty="0">
-                  <a:latin typeface="Arial" panose="020B0604020202020204" pitchFamily="34" charset="0"/>
-                  <a:cs typeface="Arial" panose="020B0604020202020204" pitchFamily="34" charset="0"/>
-                </a:rPr>
-                <a:t>ns</a:t>
-              </a:r>
-            </a:p>
-          </p:txBody>
-        </p:sp>
-      </p:grpSp>
-      <p:grpSp>
-        <p:nvGrpSpPr>
-          <p:cNvPr id="33" name="Group 32">
-            <a:extLst>
-              <a:ext uri="{FF2B5EF4-FFF2-40B4-BE49-F238E27FC236}">
-                <a16:creationId xmlns:a16="http://schemas.microsoft.com/office/drawing/2014/main" id="{F9971A47-838D-D514-9560-FE38EC98259E}"/>
-              </a:ext>
-            </a:extLst>
-          </p:cNvPr>
-          <p:cNvGrpSpPr/>
-          <p:nvPr/>
-        </p:nvGrpSpPr>
-        <p:grpSpPr>
-          <a:xfrm>
-            <a:off x="7840056" y="4301514"/>
-            <a:ext cx="455814" cy="276999"/>
-            <a:chOff x="2611090" y="551617"/>
-            <a:chExt cx="928687" cy="276999"/>
-          </a:xfrm>
-        </p:grpSpPr>
-        <p:cxnSp>
-          <p:nvCxnSpPr>
-            <p:cNvPr id="34" name="Straight Connector 33">
-              <a:extLst>
-                <a:ext uri="{FF2B5EF4-FFF2-40B4-BE49-F238E27FC236}">
-                  <a16:creationId xmlns:a16="http://schemas.microsoft.com/office/drawing/2014/main" id="{C468CBA8-8FF1-92F8-232D-6D4782970DB4}"/>
-                </a:ext>
-              </a:extLst>
-            </p:cNvPr>
-            <p:cNvCxnSpPr>
-              <a:cxnSpLocks/>
-            </p:cNvCxnSpPr>
-            <p:nvPr/>
-          </p:nvCxnSpPr>
-          <p:spPr>
-            <a:xfrm>
-              <a:off x="2611090" y="771525"/>
-              <a:ext cx="928687" cy="0"/>
-            </a:xfrm>
-            <a:prstGeom prst="line">
-              <a:avLst/>
-            </a:prstGeom>
-          </p:spPr>
-          <p:style>
-            <a:lnRef idx="1">
-              <a:schemeClr val="dk1"/>
-            </a:lnRef>
-            <a:fillRef idx="0">
-              <a:schemeClr val="dk1"/>
-            </a:fillRef>
-            <a:effectRef idx="0">
-              <a:schemeClr val="dk1"/>
-            </a:effectRef>
-            <a:fontRef idx="minor">
-              <a:schemeClr val="tx1"/>
-            </a:fontRef>
-          </p:style>
-        </p:cxnSp>
-        <p:sp>
-          <p:nvSpPr>
-            <p:cNvPr id="35" name="TextBox 34">
-              <a:extLst>
-                <a:ext uri="{FF2B5EF4-FFF2-40B4-BE49-F238E27FC236}">
-                  <a16:creationId xmlns:a16="http://schemas.microsoft.com/office/drawing/2014/main" id="{B7BC3720-95DC-773B-5630-90506AC1FEB9}"/>
-                </a:ext>
-              </a:extLst>
-            </p:cNvPr>
-            <p:cNvSpPr txBox="1"/>
-            <p:nvPr/>
-          </p:nvSpPr>
-          <p:spPr>
-            <a:xfrm>
-              <a:off x="2732174" y="551617"/>
-              <a:ext cx="686519" cy="276999"/>
-            </a:xfrm>
-            <a:prstGeom prst="rect">
-              <a:avLst/>
-            </a:prstGeom>
-            <a:noFill/>
-          </p:spPr>
-          <p:txBody>
-            <a:bodyPr wrap="square" rtlCol="0">
-              <a:spAutoFit/>
-            </a:bodyPr>
-            <a:lstStyle/>
-            <a:p>
-              <a:pPr algn="ctr"/>
-              <a:r>
-                <a:rPr lang="en-US" sz="1200" dirty="0"/>
-                <a:t>**</a:t>
-              </a:r>
-            </a:p>
-          </p:txBody>
-        </p:sp>
+          </p:grpSpPr>
+          <p:cxnSp>
+            <p:nvCxnSpPr>
+              <p:cNvPr id="34" name="Straight Connector 33">
+                <a:extLst>
+                  <a:ext uri="{FF2B5EF4-FFF2-40B4-BE49-F238E27FC236}">
+                    <a16:creationId xmlns:a16="http://schemas.microsoft.com/office/drawing/2014/main" id="{C468CBA8-8FF1-92F8-232D-6D4782970DB4}"/>
+                  </a:ext>
+                </a:extLst>
+              </p:cNvPr>
+              <p:cNvCxnSpPr>
+                <a:cxnSpLocks/>
+              </p:cNvCxnSpPr>
+              <p:nvPr/>
+            </p:nvCxnSpPr>
+            <p:spPr>
+              <a:xfrm>
+                <a:off x="2611090" y="771525"/>
+                <a:ext cx="928687" cy="0"/>
+              </a:xfrm>
+              <a:prstGeom prst="line">
+                <a:avLst/>
+              </a:prstGeom>
+            </p:spPr>
+            <p:style>
+              <a:lnRef idx="1">
+                <a:schemeClr val="dk1"/>
+              </a:lnRef>
+              <a:fillRef idx="0">
+                <a:schemeClr val="dk1"/>
+              </a:fillRef>
+              <a:effectRef idx="0">
+                <a:schemeClr val="dk1"/>
+              </a:effectRef>
+              <a:fontRef idx="minor">
+                <a:schemeClr val="tx1"/>
+              </a:fontRef>
+            </p:style>
+          </p:cxnSp>
+          <p:sp>
+            <p:nvSpPr>
+              <p:cNvPr id="35" name="TextBox 34">
+                <a:extLst>
+                  <a:ext uri="{FF2B5EF4-FFF2-40B4-BE49-F238E27FC236}">
+                    <a16:creationId xmlns:a16="http://schemas.microsoft.com/office/drawing/2014/main" id="{B7BC3720-95DC-773B-5630-90506AC1FEB9}"/>
+                  </a:ext>
+                </a:extLst>
+              </p:cNvPr>
+              <p:cNvSpPr txBox="1"/>
+              <p:nvPr/>
+            </p:nvSpPr>
+            <p:spPr>
+              <a:xfrm>
+                <a:off x="2732174" y="551617"/>
+                <a:ext cx="686519" cy="276999"/>
+              </a:xfrm>
+              <a:prstGeom prst="rect">
+                <a:avLst/>
+              </a:prstGeom>
+              <a:noFill/>
+            </p:spPr>
+            <p:txBody>
+              <a:bodyPr wrap="square" rtlCol="0">
+                <a:spAutoFit/>
+              </a:bodyPr>
+              <a:lstStyle/>
+              <a:p>
+                <a:pPr algn="ctr"/>
+                <a:r>
+                  <a:rPr lang="en-US" sz="1200" dirty="0"/>
+                  <a:t>**</a:t>
+                </a:r>
+              </a:p>
+            </p:txBody>
+          </p:sp>
+        </p:grpSp>
       </p:grpSp>
     </p:spTree>
     <p:extLst>

--- a/paper-supplement/figs/supplemental-figure-3-sig.pptx
+++ b/paper-supplement/figs/supplemental-figure-3-sig.pptx
@@ -259,7 +259,7 @@
           <a:p>
             <a:fld id="{1DD66DEE-0C2C-2245-A56D-2A04CC55D3E3}" type="datetimeFigureOut">
               <a:rPr lang="en-US" smtClean="0"/>
-              <a:t>5/17/23</a:t>
+              <a:t>5/26/23</a:t>
             </a:fld>
             <a:endParaRPr lang="en-US"/>
           </a:p>
@@ -457,7 +457,7 @@
           <a:p>
             <a:fld id="{1DD66DEE-0C2C-2245-A56D-2A04CC55D3E3}" type="datetimeFigureOut">
               <a:rPr lang="en-US" smtClean="0"/>
-              <a:t>5/17/23</a:t>
+              <a:t>5/26/23</a:t>
             </a:fld>
             <a:endParaRPr lang="en-US"/>
           </a:p>
@@ -665,7 +665,7 @@
           <a:p>
             <a:fld id="{1DD66DEE-0C2C-2245-A56D-2A04CC55D3E3}" type="datetimeFigureOut">
               <a:rPr lang="en-US" smtClean="0"/>
-              <a:t>5/17/23</a:t>
+              <a:t>5/26/23</a:t>
             </a:fld>
             <a:endParaRPr lang="en-US"/>
           </a:p>
@@ -863,7 +863,7 @@
           <a:p>
             <a:fld id="{1DD66DEE-0C2C-2245-A56D-2A04CC55D3E3}" type="datetimeFigureOut">
               <a:rPr lang="en-US" smtClean="0"/>
-              <a:t>5/17/23</a:t>
+              <a:t>5/26/23</a:t>
             </a:fld>
             <a:endParaRPr lang="en-US"/>
           </a:p>
@@ -1138,7 +1138,7 @@
           <a:p>
             <a:fld id="{1DD66DEE-0C2C-2245-A56D-2A04CC55D3E3}" type="datetimeFigureOut">
               <a:rPr lang="en-US" smtClean="0"/>
-              <a:t>5/17/23</a:t>
+              <a:t>5/26/23</a:t>
             </a:fld>
             <a:endParaRPr lang="en-US"/>
           </a:p>
@@ -1403,7 +1403,7 @@
           <a:p>
             <a:fld id="{1DD66DEE-0C2C-2245-A56D-2A04CC55D3E3}" type="datetimeFigureOut">
               <a:rPr lang="en-US" smtClean="0"/>
-              <a:t>5/17/23</a:t>
+              <a:t>5/26/23</a:t>
             </a:fld>
             <a:endParaRPr lang="en-US"/>
           </a:p>
@@ -1815,7 +1815,7 @@
           <a:p>
             <a:fld id="{1DD66DEE-0C2C-2245-A56D-2A04CC55D3E3}" type="datetimeFigureOut">
               <a:rPr lang="en-US" smtClean="0"/>
-              <a:t>5/17/23</a:t>
+              <a:t>5/26/23</a:t>
             </a:fld>
             <a:endParaRPr lang="en-US"/>
           </a:p>
@@ -1956,7 +1956,7 @@
           <a:p>
             <a:fld id="{1DD66DEE-0C2C-2245-A56D-2A04CC55D3E3}" type="datetimeFigureOut">
               <a:rPr lang="en-US" smtClean="0"/>
-              <a:t>5/17/23</a:t>
+              <a:t>5/26/23</a:t>
             </a:fld>
             <a:endParaRPr lang="en-US"/>
           </a:p>
@@ -2069,7 +2069,7 @@
           <a:p>
             <a:fld id="{1DD66DEE-0C2C-2245-A56D-2A04CC55D3E3}" type="datetimeFigureOut">
               <a:rPr lang="en-US" smtClean="0"/>
-              <a:t>5/17/23</a:t>
+              <a:t>5/26/23</a:t>
             </a:fld>
             <a:endParaRPr lang="en-US"/>
           </a:p>
@@ -2380,7 +2380,7 @@
           <a:p>
             <a:fld id="{1DD66DEE-0C2C-2245-A56D-2A04CC55D3E3}" type="datetimeFigureOut">
               <a:rPr lang="en-US" smtClean="0"/>
-              <a:t>5/17/23</a:t>
+              <a:t>5/26/23</a:t>
             </a:fld>
             <a:endParaRPr lang="en-US"/>
           </a:p>
@@ -2668,7 +2668,7 @@
           <a:p>
             <a:fld id="{1DD66DEE-0C2C-2245-A56D-2A04CC55D3E3}" type="datetimeFigureOut">
               <a:rPr lang="en-US" smtClean="0"/>
-              <a:t>5/17/23</a:t>
+              <a:t>5/26/23</a:t>
             </a:fld>
             <a:endParaRPr lang="en-US"/>
           </a:p>
@@ -2909,7 +2909,7 @@
           <a:p>
             <a:fld id="{1DD66DEE-0C2C-2245-A56D-2A04CC55D3E3}" type="datetimeFigureOut">
               <a:rPr lang="en-US" smtClean="0"/>
-              <a:t>5/17/23</a:t>
+              <a:t>5/26/23</a:t>
             </a:fld>
             <a:endParaRPr lang="en-US"/>
           </a:p>
@@ -3328,10 +3328,10 @@
       </p:grpSpPr>
       <p:grpSp>
         <p:nvGrpSpPr>
-          <p:cNvPr id="2" name="Group 1">
-            <a:extLst>
-              <a:ext uri="{FF2B5EF4-FFF2-40B4-BE49-F238E27FC236}">
-                <a16:creationId xmlns:a16="http://schemas.microsoft.com/office/drawing/2014/main" id="{E2E90C9C-8061-3949-23FD-31F596357F8F}"/>
+          <p:cNvPr id="40" name="Group 39">
+            <a:extLst>
+              <a:ext uri="{FF2B5EF4-FFF2-40B4-BE49-F238E27FC236}">
+                <a16:creationId xmlns:a16="http://schemas.microsoft.com/office/drawing/2014/main" id="{6E37158C-799F-B50A-76A5-98E01A888873}"/>
               </a:ext>
             </a:extLst>
           </p:cNvPr>
@@ -3348,10 +3348,10 @@
         </p:grpSpPr>
         <p:pic>
           <p:nvPicPr>
-            <p:cNvPr id="5" name="Picture 4" descr="A picture containing text, diagram, number, line&#10;&#10;Description automatically generated">
+            <p:cNvPr id="5" name="Picture 4" descr="A picture containing text, diagram, line, plot&#10;&#10;Description automatically generated">
               <a:extLst>
                 <a:ext uri="{FF2B5EF4-FFF2-40B4-BE49-F238E27FC236}">
-                  <a16:creationId xmlns:a16="http://schemas.microsoft.com/office/drawing/2014/main" id="{5513936C-F9FA-D91F-F86A-5DE6B661D19C}"/>
+                  <a16:creationId xmlns:a16="http://schemas.microsoft.com/office/drawing/2014/main" id="{19916EC2-4210-73ED-FB69-5C9ED2BB01E3}"/>
                 </a:ext>
               </a:extLst>
             </p:cNvPr>
@@ -3390,7 +3390,7 @@
           </p:nvGrpSpPr>
           <p:grpSpPr>
             <a:xfrm>
-              <a:off x="3666171" y="4283001"/>
+              <a:off x="3737421" y="4116748"/>
               <a:ext cx="1041500" cy="276999"/>
               <a:chOff x="2611090" y="551617"/>
               <a:chExt cx="928687" cy="276999"/>
@@ -3485,7 +3485,7 @@
           </p:nvGrpSpPr>
           <p:grpSpPr>
             <a:xfrm>
-              <a:off x="3711799" y="887954"/>
+              <a:off x="3711799" y="721699"/>
               <a:ext cx="2218221" cy="261610"/>
               <a:chOff x="2611090" y="551617"/>
               <a:chExt cx="928687" cy="261610"/>
@@ -3583,7 +3583,7 @@
           </p:nvGrpSpPr>
           <p:grpSpPr>
             <a:xfrm>
-              <a:off x="6897110" y="887954"/>
+              <a:off x="6897110" y="745454"/>
               <a:ext cx="2218221" cy="261610"/>
               <a:chOff x="2611090" y="551617"/>
               <a:chExt cx="928687" cy="261610"/>
@@ -3681,7 +3681,7 @@
           </p:nvGrpSpPr>
           <p:grpSpPr>
             <a:xfrm>
-              <a:off x="7556504" y="4743220"/>
+              <a:off x="7556504" y="4743219"/>
               <a:ext cx="455813" cy="261610"/>
               <a:chOff x="2611090" y="551617"/>
               <a:chExt cx="928687" cy="261610"/>
@@ -3779,7 +3779,7 @@
           </p:nvGrpSpPr>
           <p:grpSpPr>
             <a:xfrm>
-              <a:off x="8252111" y="4241299"/>
+              <a:off x="8252111" y="4241298"/>
               <a:ext cx="1041500" cy="261610"/>
               <a:chOff x="2611090" y="551617"/>
               <a:chExt cx="928687" cy="261610"/>
@@ -3877,7 +3877,7 @@
           </p:nvGrpSpPr>
           <p:grpSpPr>
             <a:xfrm>
-              <a:off x="8236440" y="4612415"/>
+              <a:off x="8236440" y="4683664"/>
               <a:ext cx="455813" cy="261610"/>
               <a:chOff x="2611090" y="551617"/>
               <a:chExt cx="928687" cy="261610"/>
@@ -3975,7 +3975,7 @@
           </p:nvGrpSpPr>
           <p:grpSpPr>
             <a:xfrm>
-              <a:off x="8879927" y="4612415"/>
+              <a:off x="8879927" y="4659914"/>
               <a:ext cx="455813" cy="261610"/>
               <a:chOff x="2611090" y="551617"/>
               <a:chExt cx="928687" cy="261610"/>
@@ -4073,7 +4073,7 @@
           </p:nvGrpSpPr>
           <p:grpSpPr>
             <a:xfrm>
-              <a:off x="7840056" y="4301514"/>
+              <a:off x="7840056" y="4360888"/>
               <a:ext cx="455814" cy="276999"/>
               <a:chOff x="2611090" y="551617"/>
               <a:chExt cx="928687" cy="276999"/>
@@ -4154,6 +4154,366 @@
             </p:txBody>
           </p:sp>
         </p:grpSp>
+        <p:pic>
+          <p:nvPicPr>
+            <p:cNvPr id="4" name="Graphic 3" descr="Close with solid fill">
+              <a:extLst>
+                <a:ext uri="{FF2B5EF4-FFF2-40B4-BE49-F238E27FC236}">
+                  <a16:creationId xmlns:a16="http://schemas.microsoft.com/office/drawing/2014/main" id="{6887FC6C-B76C-B251-0F67-EDA050CE6770}"/>
+                </a:ext>
+              </a:extLst>
+            </p:cNvPr>
+            <p:cNvPicPr>
+              <a:picLocks noChangeAspect="1"/>
+            </p:cNvPicPr>
+            <p:nvPr/>
+          </p:nvPicPr>
+          <p:blipFill>
+            <a:blip r:embed="rId3">
+              <a:extLst>
+                <a:ext uri="{96DAC541-7B7A-43D3-8B79-37D633B846F1}">
+                  <asvg:svgBlip xmlns:asvg="http://schemas.microsoft.com/office/drawing/2016/SVG/main" r:embed="rId4"/>
+                </a:ext>
+              </a:extLst>
+            </a:blip>
+            <a:stretch>
+              <a:fillRect/>
+            </a:stretch>
+          </p:blipFill>
+          <p:spPr>
+            <a:xfrm>
+              <a:off x="4558044" y="2149436"/>
+              <a:ext cx="406570" cy="406570"/>
+            </a:xfrm>
+            <a:prstGeom prst="rect">
+              <a:avLst/>
+            </a:prstGeom>
+          </p:spPr>
+        </p:pic>
+        <p:pic>
+          <p:nvPicPr>
+            <p:cNvPr id="9" name="Graphic 8" descr="Close with solid fill">
+              <a:extLst>
+                <a:ext uri="{FF2B5EF4-FFF2-40B4-BE49-F238E27FC236}">
+                  <a16:creationId xmlns:a16="http://schemas.microsoft.com/office/drawing/2014/main" id="{E7922DE9-BE37-3733-F146-844E9D20D8BE}"/>
+                </a:ext>
+              </a:extLst>
+            </p:cNvPr>
+            <p:cNvPicPr>
+              <a:picLocks noChangeAspect="1"/>
+            </p:cNvPicPr>
+            <p:nvPr/>
+          </p:nvPicPr>
+          <p:blipFill>
+            <a:blip r:embed="rId3">
+              <a:extLst>
+                <a:ext uri="{96DAC541-7B7A-43D3-8B79-37D633B846F1}">
+                  <asvg:svgBlip xmlns:asvg="http://schemas.microsoft.com/office/drawing/2016/SVG/main" r:embed="rId4"/>
+                </a:ext>
+              </a:extLst>
+            </a:blip>
+            <a:stretch>
+              <a:fillRect/>
+            </a:stretch>
+          </p:blipFill>
+          <p:spPr>
+            <a:xfrm>
+              <a:off x="5341837" y="2155333"/>
+              <a:ext cx="406570" cy="406570"/>
+            </a:xfrm>
+            <a:prstGeom prst="rect">
+              <a:avLst/>
+            </a:prstGeom>
+          </p:spPr>
+        </p:pic>
+        <p:pic>
+          <p:nvPicPr>
+            <p:cNvPr id="10" name="Graphic 9" descr="Close with solid fill">
+              <a:extLst>
+                <a:ext uri="{FF2B5EF4-FFF2-40B4-BE49-F238E27FC236}">
+                  <a16:creationId xmlns:a16="http://schemas.microsoft.com/office/drawing/2014/main" id="{78E41151-8C52-6928-51B9-3DF31203BCBE}"/>
+                </a:ext>
+              </a:extLst>
+            </p:cNvPr>
+            <p:cNvPicPr>
+              <a:picLocks noChangeAspect="1"/>
+            </p:cNvPicPr>
+            <p:nvPr/>
+          </p:nvPicPr>
+          <p:blipFill>
+            <a:blip r:embed="rId3">
+              <a:extLst>
+                <a:ext uri="{96DAC541-7B7A-43D3-8B79-37D633B846F1}">
+                  <asvg:svgBlip xmlns:asvg="http://schemas.microsoft.com/office/drawing/2016/SVG/main" r:embed="rId4"/>
+                </a:ext>
+              </a:extLst>
+            </a:blip>
+            <a:stretch>
+              <a:fillRect/>
+            </a:stretch>
+          </p:blipFill>
+          <p:spPr>
+            <a:xfrm>
+              <a:off x="7708076" y="2150842"/>
+              <a:ext cx="406570" cy="406570"/>
+            </a:xfrm>
+            <a:prstGeom prst="rect">
+              <a:avLst/>
+            </a:prstGeom>
+          </p:spPr>
+        </p:pic>
+        <p:pic>
+          <p:nvPicPr>
+            <p:cNvPr id="11" name="Graphic 10" descr="Close with solid fill">
+              <a:extLst>
+                <a:ext uri="{FF2B5EF4-FFF2-40B4-BE49-F238E27FC236}">
+                  <a16:creationId xmlns:a16="http://schemas.microsoft.com/office/drawing/2014/main" id="{41E7D47B-043B-D28A-59D8-58FB2FB03593}"/>
+                </a:ext>
+              </a:extLst>
+            </p:cNvPr>
+            <p:cNvPicPr>
+              <a:picLocks noChangeAspect="1"/>
+            </p:cNvPicPr>
+            <p:nvPr/>
+          </p:nvPicPr>
+          <p:blipFill>
+            <a:blip r:embed="rId3">
+              <a:extLst>
+                <a:ext uri="{96DAC541-7B7A-43D3-8B79-37D633B846F1}">
+                  <asvg:svgBlip xmlns:asvg="http://schemas.microsoft.com/office/drawing/2016/SVG/main" r:embed="rId4"/>
+                </a:ext>
+              </a:extLst>
+            </a:blip>
+            <a:stretch>
+              <a:fillRect/>
+            </a:stretch>
+          </p:blipFill>
+          <p:spPr>
+            <a:xfrm>
+              <a:off x="8488968" y="2152730"/>
+              <a:ext cx="406570" cy="406570"/>
+            </a:xfrm>
+            <a:prstGeom prst="rect">
+              <a:avLst/>
+            </a:prstGeom>
+          </p:spPr>
+        </p:pic>
+        <p:pic>
+          <p:nvPicPr>
+            <p:cNvPr id="30" name="Graphic 29" descr="Close with solid fill">
+              <a:extLst>
+                <a:ext uri="{FF2B5EF4-FFF2-40B4-BE49-F238E27FC236}">
+                  <a16:creationId xmlns:a16="http://schemas.microsoft.com/office/drawing/2014/main" id="{7E7B23F2-601E-B27B-282F-3E793CE6A3B4}"/>
+                </a:ext>
+              </a:extLst>
+            </p:cNvPr>
+            <p:cNvPicPr>
+              <a:picLocks noChangeAspect="1"/>
+            </p:cNvPicPr>
+            <p:nvPr/>
+          </p:nvPicPr>
+          <p:blipFill>
+            <a:blip r:embed="rId3">
+              <a:extLst>
+                <a:ext uri="{96DAC541-7B7A-43D3-8B79-37D633B846F1}">
+                  <asvg:svgBlip xmlns:asvg="http://schemas.microsoft.com/office/drawing/2016/SVG/main" r:embed="rId4"/>
+                </a:ext>
+              </a:extLst>
+            </a:blip>
+            <a:stretch>
+              <a:fillRect/>
+            </a:stretch>
+          </p:blipFill>
+          <p:spPr>
+            <a:xfrm>
+              <a:off x="3582570" y="5319098"/>
+              <a:ext cx="406570" cy="406570"/>
+            </a:xfrm>
+            <a:prstGeom prst="rect">
+              <a:avLst/>
+            </a:prstGeom>
+          </p:spPr>
+        </p:pic>
+        <p:pic>
+          <p:nvPicPr>
+            <p:cNvPr id="31" name="Graphic 30" descr="Close with solid fill">
+              <a:extLst>
+                <a:ext uri="{FF2B5EF4-FFF2-40B4-BE49-F238E27FC236}">
+                  <a16:creationId xmlns:a16="http://schemas.microsoft.com/office/drawing/2014/main" id="{DC08A0EB-94E2-841A-F6C3-91B337E0F1AE}"/>
+                </a:ext>
+              </a:extLst>
+            </p:cNvPr>
+            <p:cNvPicPr>
+              <a:picLocks noChangeAspect="1"/>
+            </p:cNvPicPr>
+            <p:nvPr/>
+          </p:nvPicPr>
+          <p:blipFill>
+            <a:blip r:embed="rId3">
+              <a:extLst>
+                <a:ext uri="{96DAC541-7B7A-43D3-8B79-37D633B846F1}">
+                  <asvg:svgBlip xmlns:asvg="http://schemas.microsoft.com/office/drawing/2016/SVG/main" r:embed="rId4"/>
+                </a:ext>
+              </a:extLst>
+            </a:blip>
+            <a:stretch>
+              <a:fillRect/>
+            </a:stretch>
+          </p:blipFill>
+          <p:spPr>
+            <a:xfrm>
+              <a:off x="5400244" y="5367478"/>
+              <a:ext cx="322395" cy="322395"/>
+            </a:xfrm>
+            <a:prstGeom prst="rect">
+              <a:avLst/>
+            </a:prstGeom>
+          </p:spPr>
+        </p:pic>
+        <p:pic>
+          <p:nvPicPr>
+            <p:cNvPr id="32" name="Graphic 31" descr="Close with solid fill">
+              <a:extLst>
+                <a:ext uri="{FF2B5EF4-FFF2-40B4-BE49-F238E27FC236}">
+                  <a16:creationId xmlns:a16="http://schemas.microsoft.com/office/drawing/2014/main" id="{A54AF087-6F90-834C-FBA0-DD26BAD30F8E}"/>
+                </a:ext>
+              </a:extLst>
+            </p:cNvPr>
+            <p:cNvPicPr>
+              <a:picLocks noChangeAspect="1"/>
+            </p:cNvPicPr>
+            <p:nvPr/>
+          </p:nvPicPr>
+          <p:blipFill>
+            <a:blip r:embed="rId3">
+              <a:extLst>
+                <a:ext uri="{96DAC541-7B7A-43D3-8B79-37D633B846F1}">
+                  <asvg:svgBlip xmlns:asvg="http://schemas.microsoft.com/office/drawing/2016/SVG/main" r:embed="rId4"/>
+                </a:ext>
+              </a:extLst>
+            </a:blip>
+            <a:stretch>
+              <a:fillRect/>
+            </a:stretch>
+          </p:blipFill>
+          <p:spPr>
+            <a:xfrm>
+              <a:off x="5792404" y="5367478"/>
+              <a:ext cx="322395" cy="322395"/>
+            </a:xfrm>
+            <a:prstGeom prst="rect">
+              <a:avLst/>
+            </a:prstGeom>
+          </p:spPr>
+        </p:pic>
+        <p:pic>
+          <p:nvPicPr>
+            <p:cNvPr id="36" name="Graphic 35" descr="Close with solid fill">
+              <a:extLst>
+                <a:ext uri="{FF2B5EF4-FFF2-40B4-BE49-F238E27FC236}">
+                  <a16:creationId xmlns:a16="http://schemas.microsoft.com/office/drawing/2014/main" id="{90448EC0-84D3-9E4C-C914-6E74F83569FF}"/>
+                </a:ext>
+              </a:extLst>
+            </p:cNvPr>
+            <p:cNvPicPr>
+              <a:picLocks noChangeAspect="1"/>
+            </p:cNvPicPr>
+            <p:nvPr/>
+          </p:nvPicPr>
+          <p:blipFill>
+            <a:blip r:embed="rId3">
+              <a:extLst>
+                <a:ext uri="{96DAC541-7B7A-43D3-8B79-37D633B846F1}">
+                  <asvg:svgBlip xmlns:asvg="http://schemas.microsoft.com/office/drawing/2016/SVG/main" r:embed="rId4"/>
+                </a:ext>
+              </a:extLst>
+            </a:blip>
+            <a:stretch>
+              <a:fillRect/>
+            </a:stretch>
+          </p:blipFill>
+          <p:spPr>
+            <a:xfrm>
+              <a:off x="6184564" y="5367478"/>
+              <a:ext cx="322395" cy="322395"/>
+            </a:xfrm>
+            <a:prstGeom prst="rect">
+              <a:avLst/>
+            </a:prstGeom>
+          </p:spPr>
+        </p:pic>
+        <p:pic>
+          <p:nvPicPr>
+            <p:cNvPr id="37" name="Graphic 36" descr="Close with solid fill">
+              <a:extLst>
+                <a:ext uri="{FF2B5EF4-FFF2-40B4-BE49-F238E27FC236}">
+                  <a16:creationId xmlns:a16="http://schemas.microsoft.com/office/drawing/2014/main" id="{13BFB272-AF3B-1F5B-878E-60331CCB4405}"/>
+                </a:ext>
+              </a:extLst>
+            </p:cNvPr>
+            <p:cNvPicPr>
+              <a:picLocks noChangeAspect="1"/>
+            </p:cNvPicPr>
+            <p:nvPr/>
+          </p:nvPicPr>
+          <p:blipFill>
+            <a:blip r:embed="rId3">
+              <a:extLst>
+                <a:ext uri="{96DAC541-7B7A-43D3-8B79-37D633B846F1}">
+                  <asvg:svgBlip xmlns:asvg="http://schemas.microsoft.com/office/drawing/2016/SVG/main" r:embed="rId4"/>
+                </a:ext>
+              </a:extLst>
+            </a:blip>
+            <a:stretch>
+              <a:fillRect/>
+            </a:stretch>
+          </p:blipFill>
+          <p:spPr>
+            <a:xfrm>
+              <a:off x="6968885" y="5367478"/>
+              <a:ext cx="322395" cy="322395"/>
+            </a:xfrm>
+            <a:prstGeom prst="rect">
+              <a:avLst/>
+            </a:prstGeom>
+          </p:spPr>
+        </p:pic>
+        <p:pic>
+          <p:nvPicPr>
+            <p:cNvPr id="38" name="Graphic 37" descr="Close with solid fill">
+              <a:extLst>
+                <a:ext uri="{FF2B5EF4-FFF2-40B4-BE49-F238E27FC236}">
+                  <a16:creationId xmlns:a16="http://schemas.microsoft.com/office/drawing/2014/main" id="{DDA37CC2-F9A6-2597-5525-59C8B41A8E94}"/>
+                </a:ext>
+              </a:extLst>
+            </p:cNvPr>
+            <p:cNvPicPr>
+              <a:picLocks noChangeAspect="1"/>
+            </p:cNvPicPr>
+            <p:nvPr/>
+          </p:nvPicPr>
+          <p:blipFill>
+            <a:blip r:embed="rId3">
+              <a:extLst>
+                <a:ext uri="{96DAC541-7B7A-43D3-8B79-37D633B846F1}">
+                  <asvg:svgBlip xmlns:asvg="http://schemas.microsoft.com/office/drawing/2016/SVG/main" r:embed="rId4"/>
+                </a:ext>
+              </a:extLst>
+            </a:blip>
+            <a:stretch>
+              <a:fillRect/>
+            </a:stretch>
+          </p:blipFill>
+          <p:spPr>
+            <a:xfrm>
+              <a:off x="6576724" y="5367478"/>
+              <a:ext cx="322395" cy="322395"/>
+            </a:xfrm>
+            <a:prstGeom prst="rect">
+              <a:avLst/>
+            </a:prstGeom>
+          </p:spPr>
+        </p:pic>
       </p:grpSp>
     </p:spTree>
     <p:extLst>

--- a/paper-supplement/figs/supplemental-figure-3-sig.pptx
+++ b/paper-supplement/figs/supplemental-figure-3-sig.pptx
@@ -259,7 +259,7 @@
           <a:p>
             <a:fld id="{1DD66DEE-0C2C-2245-A56D-2A04CC55D3E3}" type="datetimeFigureOut">
               <a:rPr lang="en-US" smtClean="0"/>
-              <a:t>5/26/23</a:t>
+              <a:t>5/30/23</a:t>
             </a:fld>
             <a:endParaRPr lang="en-US"/>
           </a:p>
@@ -457,7 +457,7 @@
           <a:p>
             <a:fld id="{1DD66DEE-0C2C-2245-A56D-2A04CC55D3E3}" type="datetimeFigureOut">
               <a:rPr lang="en-US" smtClean="0"/>
-              <a:t>5/26/23</a:t>
+              <a:t>5/30/23</a:t>
             </a:fld>
             <a:endParaRPr lang="en-US"/>
           </a:p>
@@ -665,7 +665,7 @@
           <a:p>
             <a:fld id="{1DD66DEE-0C2C-2245-A56D-2A04CC55D3E3}" type="datetimeFigureOut">
               <a:rPr lang="en-US" smtClean="0"/>
-              <a:t>5/26/23</a:t>
+              <a:t>5/30/23</a:t>
             </a:fld>
             <a:endParaRPr lang="en-US"/>
           </a:p>
@@ -863,7 +863,7 @@
           <a:p>
             <a:fld id="{1DD66DEE-0C2C-2245-A56D-2A04CC55D3E3}" type="datetimeFigureOut">
               <a:rPr lang="en-US" smtClean="0"/>
-              <a:t>5/26/23</a:t>
+              <a:t>5/30/23</a:t>
             </a:fld>
             <a:endParaRPr lang="en-US"/>
           </a:p>
@@ -1138,7 +1138,7 @@
           <a:p>
             <a:fld id="{1DD66DEE-0C2C-2245-A56D-2A04CC55D3E3}" type="datetimeFigureOut">
               <a:rPr lang="en-US" smtClean="0"/>
-              <a:t>5/26/23</a:t>
+              <a:t>5/30/23</a:t>
             </a:fld>
             <a:endParaRPr lang="en-US"/>
           </a:p>
@@ -1403,7 +1403,7 @@
           <a:p>
             <a:fld id="{1DD66DEE-0C2C-2245-A56D-2A04CC55D3E3}" type="datetimeFigureOut">
               <a:rPr lang="en-US" smtClean="0"/>
-              <a:t>5/26/23</a:t>
+              <a:t>5/30/23</a:t>
             </a:fld>
             <a:endParaRPr lang="en-US"/>
           </a:p>
@@ -1815,7 +1815,7 @@
           <a:p>
             <a:fld id="{1DD66DEE-0C2C-2245-A56D-2A04CC55D3E3}" type="datetimeFigureOut">
               <a:rPr lang="en-US" smtClean="0"/>
-              <a:t>5/26/23</a:t>
+              <a:t>5/30/23</a:t>
             </a:fld>
             <a:endParaRPr lang="en-US"/>
           </a:p>
@@ -1956,7 +1956,7 @@
           <a:p>
             <a:fld id="{1DD66DEE-0C2C-2245-A56D-2A04CC55D3E3}" type="datetimeFigureOut">
               <a:rPr lang="en-US" smtClean="0"/>
-              <a:t>5/26/23</a:t>
+              <a:t>5/30/23</a:t>
             </a:fld>
             <a:endParaRPr lang="en-US"/>
           </a:p>
@@ -2069,7 +2069,7 @@
           <a:p>
             <a:fld id="{1DD66DEE-0C2C-2245-A56D-2A04CC55D3E3}" type="datetimeFigureOut">
               <a:rPr lang="en-US" smtClean="0"/>
-              <a:t>5/26/23</a:t>
+              <a:t>5/30/23</a:t>
             </a:fld>
             <a:endParaRPr lang="en-US"/>
           </a:p>
@@ -2380,7 +2380,7 @@
           <a:p>
             <a:fld id="{1DD66DEE-0C2C-2245-A56D-2A04CC55D3E3}" type="datetimeFigureOut">
               <a:rPr lang="en-US" smtClean="0"/>
-              <a:t>5/26/23</a:t>
+              <a:t>5/30/23</a:t>
             </a:fld>
             <a:endParaRPr lang="en-US"/>
           </a:p>
@@ -2668,7 +2668,7 @@
           <a:p>
             <a:fld id="{1DD66DEE-0C2C-2245-A56D-2A04CC55D3E3}" type="datetimeFigureOut">
               <a:rPr lang="en-US" smtClean="0"/>
-              <a:t>5/26/23</a:t>
+              <a:t>5/30/23</a:t>
             </a:fld>
             <a:endParaRPr lang="en-US"/>
           </a:p>
@@ -2909,7 +2909,7 @@
           <a:p>
             <a:fld id="{1DD66DEE-0C2C-2245-A56D-2A04CC55D3E3}" type="datetimeFigureOut">
               <a:rPr lang="en-US" smtClean="0"/>
-              <a:t>5/26/23</a:t>
+              <a:t>5/30/23</a:t>
             </a:fld>
             <a:endParaRPr lang="en-US"/>
           </a:p>
@@ -3328,10 +3328,10 @@
       </p:grpSpPr>
       <p:grpSp>
         <p:nvGrpSpPr>
-          <p:cNvPr id="40" name="Group 39">
-            <a:extLst>
-              <a:ext uri="{FF2B5EF4-FFF2-40B4-BE49-F238E27FC236}">
-                <a16:creationId xmlns:a16="http://schemas.microsoft.com/office/drawing/2014/main" id="{6E37158C-799F-B50A-76A5-98E01A888873}"/>
+          <p:cNvPr id="47" name="Group 46">
+            <a:extLst>
+              <a:ext uri="{FF2B5EF4-FFF2-40B4-BE49-F238E27FC236}">
+                <a16:creationId xmlns:a16="http://schemas.microsoft.com/office/drawing/2014/main" id="{BE12B1F3-4AD8-B853-6106-ED9380C05E6C}"/>
               </a:ext>
             </a:extLst>
           </p:cNvPr>
@@ -3340,18 +3340,18 @@
         </p:nvGrpSpPr>
         <p:grpSpPr>
           <a:xfrm>
-            <a:off x="2667000" y="0"/>
-            <a:ext cx="6858000" cy="6858000"/>
-            <a:chOff x="2667000" y="0"/>
-            <a:chExt cx="6858000" cy="6858000"/>
+            <a:off x="0" y="1642241"/>
+            <a:ext cx="12192000" cy="3573517"/>
+            <a:chOff x="0" y="1642241"/>
+            <a:chExt cx="12192000" cy="3573517"/>
           </a:xfrm>
         </p:grpSpPr>
         <p:pic>
           <p:nvPicPr>
-            <p:cNvPr id="5" name="Picture 4" descr="A picture containing text, diagram, line, plot&#10;&#10;Description automatically generated">
+            <p:cNvPr id="3" name="Picture 2" descr="A picture containing line, plot, text, diagram&#10;&#10;Description automatically generated">
               <a:extLst>
                 <a:ext uri="{FF2B5EF4-FFF2-40B4-BE49-F238E27FC236}">
-                  <a16:creationId xmlns:a16="http://schemas.microsoft.com/office/drawing/2014/main" id="{19916EC2-4210-73ED-FB69-5C9ED2BB01E3}"/>
+                  <a16:creationId xmlns:a16="http://schemas.microsoft.com/office/drawing/2014/main" id="{44503A78-5A46-CBC2-89E1-8B1688F11CA2}"/>
                 </a:ext>
               </a:extLst>
             </p:cNvPr>
@@ -3368,305 +3368,14 @@
           </p:blipFill>
           <p:spPr>
             <a:xfrm>
-              <a:off x="2667000" y="0"/>
-              <a:ext cx="6858000" cy="6858000"/>
+              <a:off x="0" y="1642241"/>
+              <a:ext cx="12192000" cy="3573517"/>
             </a:xfrm>
             <a:prstGeom prst="rect">
               <a:avLst/>
             </a:prstGeom>
           </p:spPr>
         </p:pic>
-        <p:grpSp>
-          <p:nvGrpSpPr>
-            <p:cNvPr id="6" name="Group 5">
-              <a:extLst>
-                <a:ext uri="{FF2B5EF4-FFF2-40B4-BE49-F238E27FC236}">
-                  <a16:creationId xmlns:a16="http://schemas.microsoft.com/office/drawing/2014/main" id="{AACA7BDD-8C5C-8188-A7B5-AA5136F4E210}"/>
-                </a:ext>
-              </a:extLst>
-            </p:cNvPr>
-            <p:cNvGrpSpPr/>
-            <p:nvPr/>
-          </p:nvGrpSpPr>
-          <p:grpSpPr>
-            <a:xfrm>
-              <a:off x="3737421" y="4116748"/>
-              <a:ext cx="1041500" cy="276999"/>
-              <a:chOff x="2611090" y="551617"/>
-              <a:chExt cx="928687" cy="276999"/>
-            </a:xfrm>
-          </p:grpSpPr>
-          <p:cxnSp>
-            <p:nvCxnSpPr>
-              <p:cNvPr id="7" name="Straight Connector 6">
-                <a:extLst>
-                  <a:ext uri="{FF2B5EF4-FFF2-40B4-BE49-F238E27FC236}">
-                    <a16:creationId xmlns:a16="http://schemas.microsoft.com/office/drawing/2014/main" id="{7493DD84-76AC-94F8-6A79-DC83773B5A7B}"/>
-                  </a:ext>
-                </a:extLst>
-              </p:cNvPr>
-              <p:cNvCxnSpPr>
-                <a:cxnSpLocks/>
-              </p:cNvCxnSpPr>
-              <p:nvPr/>
-            </p:nvCxnSpPr>
-            <p:spPr>
-              <a:xfrm>
-                <a:off x="2611090" y="771525"/>
-                <a:ext cx="928687" cy="0"/>
-              </a:xfrm>
-              <a:prstGeom prst="line">
-                <a:avLst/>
-              </a:prstGeom>
-            </p:spPr>
-            <p:style>
-              <a:lnRef idx="1">
-                <a:schemeClr val="dk1"/>
-              </a:lnRef>
-              <a:fillRef idx="0">
-                <a:schemeClr val="dk1"/>
-              </a:fillRef>
-              <a:effectRef idx="0">
-                <a:schemeClr val="dk1"/>
-              </a:effectRef>
-              <a:fontRef idx="minor">
-                <a:schemeClr val="tx1"/>
-              </a:fontRef>
-            </p:style>
-          </p:cxnSp>
-          <p:sp>
-            <p:nvSpPr>
-              <p:cNvPr id="8" name="TextBox 7">
-                <a:extLst>
-                  <a:ext uri="{FF2B5EF4-FFF2-40B4-BE49-F238E27FC236}">
-                    <a16:creationId xmlns:a16="http://schemas.microsoft.com/office/drawing/2014/main" id="{253B4A29-4DA9-54C5-428A-4C2300AF08F1}"/>
-                  </a:ext>
-                </a:extLst>
-              </p:cNvPr>
-              <p:cNvSpPr txBox="1"/>
-              <p:nvPr/>
-            </p:nvSpPr>
-            <p:spPr>
-              <a:xfrm>
-                <a:off x="2732174" y="551617"/>
-                <a:ext cx="686519" cy="276999"/>
-              </a:xfrm>
-              <a:prstGeom prst="rect">
-                <a:avLst/>
-              </a:prstGeom>
-              <a:noFill/>
-            </p:spPr>
-            <p:txBody>
-              <a:bodyPr wrap="square" rtlCol="0">
-                <a:spAutoFit/>
-              </a:bodyPr>
-              <a:lstStyle/>
-              <a:p>
-                <a:pPr algn="ctr"/>
-                <a:r>
-                  <a:rPr lang="en-US" sz="1200" dirty="0"/>
-                  <a:t>***</a:t>
-                </a:r>
-              </a:p>
-            </p:txBody>
-          </p:sp>
-        </p:grpSp>
-        <p:grpSp>
-          <p:nvGrpSpPr>
-            <p:cNvPr id="12" name="Group 11">
-              <a:extLst>
-                <a:ext uri="{FF2B5EF4-FFF2-40B4-BE49-F238E27FC236}">
-                  <a16:creationId xmlns:a16="http://schemas.microsoft.com/office/drawing/2014/main" id="{BDF1505A-298D-0515-29D9-7EED3A4B7209}"/>
-                </a:ext>
-              </a:extLst>
-            </p:cNvPr>
-            <p:cNvGrpSpPr/>
-            <p:nvPr/>
-          </p:nvGrpSpPr>
-          <p:grpSpPr>
-            <a:xfrm>
-              <a:off x="3711799" y="721699"/>
-              <a:ext cx="2218221" cy="261610"/>
-              <a:chOff x="2611090" y="551617"/>
-              <a:chExt cx="928687" cy="261610"/>
-            </a:xfrm>
-          </p:grpSpPr>
-          <p:cxnSp>
-            <p:nvCxnSpPr>
-              <p:cNvPr id="13" name="Straight Connector 12">
-                <a:extLst>
-                  <a:ext uri="{FF2B5EF4-FFF2-40B4-BE49-F238E27FC236}">
-                    <a16:creationId xmlns:a16="http://schemas.microsoft.com/office/drawing/2014/main" id="{A4023781-ECB1-7036-B260-AE5ED4C40E4B}"/>
-                  </a:ext>
-                </a:extLst>
-              </p:cNvPr>
-              <p:cNvCxnSpPr>
-                <a:cxnSpLocks/>
-              </p:cNvCxnSpPr>
-              <p:nvPr/>
-            </p:nvCxnSpPr>
-            <p:spPr>
-              <a:xfrm>
-                <a:off x="2611090" y="771525"/>
-                <a:ext cx="928687" cy="0"/>
-              </a:xfrm>
-              <a:prstGeom prst="line">
-                <a:avLst/>
-              </a:prstGeom>
-            </p:spPr>
-            <p:style>
-              <a:lnRef idx="1">
-                <a:schemeClr val="dk1"/>
-              </a:lnRef>
-              <a:fillRef idx="0">
-                <a:schemeClr val="dk1"/>
-              </a:fillRef>
-              <a:effectRef idx="0">
-                <a:schemeClr val="dk1"/>
-              </a:effectRef>
-              <a:fontRef idx="minor">
-                <a:schemeClr val="tx1"/>
-              </a:fontRef>
-            </p:style>
-          </p:cxnSp>
-          <p:sp>
-            <p:nvSpPr>
-              <p:cNvPr id="14" name="TextBox 13">
-                <a:extLst>
-                  <a:ext uri="{FF2B5EF4-FFF2-40B4-BE49-F238E27FC236}">
-                    <a16:creationId xmlns:a16="http://schemas.microsoft.com/office/drawing/2014/main" id="{E89F0A8E-516A-D648-5BE1-9D642354B5E0}"/>
-                  </a:ext>
-                </a:extLst>
-              </p:cNvPr>
-              <p:cNvSpPr txBox="1"/>
-              <p:nvPr/>
-            </p:nvSpPr>
-            <p:spPr>
-              <a:xfrm>
-                <a:off x="2732174" y="551617"/>
-                <a:ext cx="686518" cy="261610"/>
-              </a:xfrm>
-              <a:prstGeom prst="rect">
-                <a:avLst/>
-              </a:prstGeom>
-              <a:noFill/>
-            </p:spPr>
-            <p:txBody>
-              <a:bodyPr wrap="square" rtlCol="0">
-                <a:spAutoFit/>
-              </a:bodyPr>
-              <a:lstStyle/>
-              <a:p>
-                <a:pPr algn="ctr"/>
-                <a:r>
-                  <a:rPr lang="en-US" sz="1100" dirty="0">
-                    <a:latin typeface="Arial" panose="020B0604020202020204" pitchFamily="34" charset="0"/>
-                    <a:cs typeface="Arial" panose="020B0604020202020204" pitchFamily="34" charset="0"/>
-                  </a:rPr>
-                  <a:t>ns</a:t>
-                </a:r>
-              </a:p>
-            </p:txBody>
-          </p:sp>
-        </p:grpSp>
-        <p:grpSp>
-          <p:nvGrpSpPr>
-            <p:cNvPr id="15" name="Group 14">
-              <a:extLst>
-                <a:ext uri="{FF2B5EF4-FFF2-40B4-BE49-F238E27FC236}">
-                  <a16:creationId xmlns:a16="http://schemas.microsoft.com/office/drawing/2014/main" id="{62F9F2AE-F11C-38AD-F390-26A98E0C7FCA}"/>
-                </a:ext>
-              </a:extLst>
-            </p:cNvPr>
-            <p:cNvGrpSpPr/>
-            <p:nvPr/>
-          </p:nvGrpSpPr>
-          <p:grpSpPr>
-            <a:xfrm>
-              <a:off x="6897110" y="745454"/>
-              <a:ext cx="2218221" cy="261610"/>
-              <a:chOff x="2611090" y="551617"/>
-              <a:chExt cx="928687" cy="261610"/>
-            </a:xfrm>
-          </p:grpSpPr>
-          <p:cxnSp>
-            <p:nvCxnSpPr>
-              <p:cNvPr id="16" name="Straight Connector 15">
-                <a:extLst>
-                  <a:ext uri="{FF2B5EF4-FFF2-40B4-BE49-F238E27FC236}">
-                    <a16:creationId xmlns:a16="http://schemas.microsoft.com/office/drawing/2014/main" id="{9C59E7B0-23AA-8159-125A-3BB2B69E90AE}"/>
-                  </a:ext>
-                </a:extLst>
-              </p:cNvPr>
-              <p:cNvCxnSpPr>
-                <a:cxnSpLocks/>
-              </p:cNvCxnSpPr>
-              <p:nvPr/>
-            </p:nvCxnSpPr>
-            <p:spPr>
-              <a:xfrm>
-                <a:off x="2611090" y="771525"/>
-                <a:ext cx="928687" cy="0"/>
-              </a:xfrm>
-              <a:prstGeom prst="line">
-                <a:avLst/>
-              </a:prstGeom>
-            </p:spPr>
-            <p:style>
-              <a:lnRef idx="1">
-                <a:schemeClr val="dk1"/>
-              </a:lnRef>
-              <a:fillRef idx="0">
-                <a:schemeClr val="dk1"/>
-              </a:fillRef>
-              <a:effectRef idx="0">
-                <a:schemeClr val="dk1"/>
-              </a:effectRef>
-              <a:fontRef idx="minor">
-                <a:schemeClr val="tx1"/>
-              </a:fontRef>
-            </p:style>
-          </p:cxnSp>
-          <p:sp>
-            <p:nvSpPr>
-              <p:cNvPr id="17" name="TextBox 16">
-                <a:extLst>
-                  <a:ext uri="{FF2B5EF4-FFF2-40B4-BE49-F238E27FC236}">
-                    <a16:creationId xmlns:a16="http://schemas.microsoft.com/office/drawing/2014/main" id="{C7F66AFC-82A5-9A32-C1E0-735FB08AC059}"/>
-                  </a:ext>
-                </a:extLst>
-              </p:cNvPr>
-              <p:cNvSpPr txBox="1"/>
-              <p:nvPr/>
-            </p:nvSpPr>
-            <p:spPr>
-              <a:xfrm>
-                <a:off x="2732174" y="551617"/>
-                <a:ext cx="686518" cy="261610"/>
-              </a:xfrm>
-              <a:prstGeom prst="rect">
-                <a:avLst/>
-              </a:prstGeom>
-              <a:noFill/>
-            </p:spPr>
-            <p:txBody>
-              <a:bodyPr wrap="square" rtlCol="0">
-                <a:spAutoFit/>
-              </a:bodyPr>
-              <a:lstStyle/>
-              <a:p>
-                <a:pPr algn="ctr"/>
-                <a:r>
-                  <a:rPr lang="en-US" sz="1100" dirty="0">
-                    <a:latin typeface="Arial" panose="020B0604020202020204" pitchFamily="34" charset="0"/>
-                    <a:cs typeface="Arial" panose="020B0604020202020204" pitchFamily="34" charset="0"/>
-                  </a:rPr>
-                  <a:t>ns</a:t>
-                </a:r>
-              </a:p>
-            </p:txBody>
-          </p:sp>
-        </p:grpSp>
         <p:grpSp>
           <p:nvGrpSpPr>
             <p:cNvPr id="18" name="Group 17">
@@ -3681,7 +3390,7 @@
           </p:nvGrpSpPr>
           <p:grpSpPr>
             <a:xfrm>
-              <a:off x="7556504" y="4743219"/>
+              <a:off x="9967020" y="2913827"/>
               <a:ext cx="455813" cy="261610"/>
               <a:chOff x="2611090" y="551617"/>
               <a:chExt cx="928687" cy="261610"/>
@@ -3779,7 +3488,7 @@
           </p:nvGrpSpPr>
           <p:grpSpPr>
             <a:xfrm>
-              <a:off x="8252111" y="4241298"/>
+              <a:off x="10792414" y="2499878"/>
               <a:ext cx="1041500" cy="261610"/>
               <a:chOff x="2611090" y="551617"/>
               <a:chExt cx="928687" cy="261610"/>
@@ -3877,7 +3586,7 @@
           </p:nvGrpSpPr>
           <p:grpSpPr>
             <a:xfrm>
-              <a:off x="8236440" y="4683664"/>
+              <a:off x="10780258" y="2928003"/>
               <a:ext cx="455813" cy="261610"/>
               <a:chOff x="2611090" y="551617"/>
               <a:chExt cx="928687" cy="261610"/>
@@ -3975,7 +3684,7 @@
           </p:nvGrpSpPr>
           <p:grpSpPr>
             <a:xfrm>
-              <a:off x="8879927" y="4659914"/>
+              <a:off x="11474636" y="2928003"/>
               <a:ext cx="455813" cy="261610"/>
               <a:chOff x="2611090" y="551617"/>
               <a:chExt cx="928687" cy="261610"/>
@@ -4073,7 +3782,7 @@
           </p:nvGrpSpPr>
           <p:grpSpPr>
             <a:xfrm>
-              <a:off x="7840056" y="4360888"/>
+              <a:off x="10335315" y="2598670"/>
               <a:ext cx="455814" cy="276999"/>
               <a:chOff x="2611090" y="551617"/>
               <a:chExt cx="928687" cy="276999"/>
@@ -4156,42 +3865,6 @@
         </p:grpSp>
         <p:pic>
           <p:nvPicPr>
-            <p:cNvPr id="4" name="Graphic 3" descr="Close with solid fill">
-              <a:extLst>
-                <a:ext uri="{FF2B5EF4-FFF2-40B4-BE49-F238E27FC236}">
-                  <a16:creationId xmlns:a16="http://schemas.microsoft.com/office/drawing/2014/main" id="{6887FC6C-B76C-B251-0F67-EDA050CE6770}"/>
-                </a:ext>
-              </a:extLst>
-            </p:cNvPr>
-            <p:cNvPicPr>
-              <a:picLocks noChangeAspect="1"/>
-            </p:cNvPicPr>
-            <p:nvPr/>
-          </p:nvPicPr>
-          <p:blipFill>
-            <a:blip r:embed="rId3">
-              <a:extLst>
-                <a:ext uri="{96DAC541-7B7A-43D3-8B79-37D633B846F1}">
-                  <asvg:svgBlip xmlns:asvg="http://schemas.microsoft.com/office/drawing/2016/SVG/main" r:embed="rId4"/>
-                </a:ext>
-              </a:extLst>
-            </a:blip>
-            <a:stretch>
-              <a:fillRect/>
-            </a:stretch>
-          </p:blipFill>
-          <p:spPr>
-            <a:xfrm>
-              <a:off x="4558044" y="2149436"/>
-              <a:ext cx="406570" cy="406570"/>
-            </a:xfrm>
-            <a:prstGeom prst="rect">
-              <a:avLst/>
-            </a:prstGeom>
-          </p:spPr>
-        </p:pic>
-        <p:pic>
-          <p:nvPicPr>
             <p:cNvPr id="9" name="Graphic 8" descr="Close with solid fill">
               <a:extLst>
                 <a:ext uri="{FF2B5EF4-FFF2-40B4-BE49-F238E27FC236}">
@@ -4218,8 +3891,8 @@
           </p:blipFill>
           <p:spPr>
             <a:xfrm>
-              <a:off x="5341837" y="2155333"/>
-              <a:ext cx="406570" cy="406570"/>
+              <a:off x="1811457" y="3782252"/>
+              <a:ext cx="243483" cy="243483"/>
             </a:xfrm>
             <a:prstGeom prst="rect">
               <a:avLst/>
@@ -4228,10 +3901,10 @@
         </p:pic>
         <p:pic>
           <p:nvPicPr>
-            <p:cNvPr id="10" name="Graphic 9" descr="Close with solid fill">
+            <p:cNvPr id="39" name="Graphic 38" descr="Close with solid fill">
               <a:extLst>
                 <a:ext uri="{FF2B5EF4-FFF2-40B4-BE49-F238E27FC236}">
-                  <a16:creationId xmlns:a16="http://schemas.microsoft.com/office/drawing/2014/main" id="{78E41151-8C52-6928-51B9-3DF31203BCBE}"/>
+                  <a16:creationId xmlns:a16="http://schemas.microsoft.com/office/drawing/2014/main" id="{EC30CACF-768F-A8C4-20EE-44783F97114A}"/>
                 </a:ext>
               </a:extLst>
             </p:cNvPr>
@@ -4254,8 +3927,8 @@
           </p:blipFill>
           <p:spPr>
             <a:xfrm>
-              <a:off x="7708076" y="2150842"/>
-              <a:ext cx="406570" cy="406570"/>
+              <a:off x="3510872" y="3782252"/>
+              <a:ext cx="243483" cy="243483"/>
             </a:xfrm>
             <a:prstGeom prst="rect">
               <a:avLst/>
@@ -4264,10 +3937,10 @@
         </p:pic>
         <p:pic>
           <p:nvPicPr>
-            <p:cNvPr id="11" name="Graphic 10" descr="Close with solid fill">
+            <p:cNvPr id="41" name="Graphic 40" descr="Close with solid fill">
               <a:extLst>
                 <a:ext uri="{FF2B5EF4-FFF2-40B4-BE49-F238E27FC236}">
-                  <a16:creationId xmlns:a16="http://schemas.microsoft.com/office/drawing/2014/main" id="{41E7D47B-043B-D28A-59D8-58FB2FB03593}"/>
+                  <a16:creationId xmlns:a16="http://schemas.microsoft.com/office/drawing/2014/main" id="{6EEDDA63-DA17-FB56-D23C-8CEB22BD9A04}"/>
                 </a:ext>
               </a:extLst>
             </p:cNvPr>
@@ -4290,8 +3963,8 @@
           </p:blipFill>
           <p:spPr>
             <a:xfrm>
-              <a:off x="8488968" y="2152730"/>
-              <a:ext cx="406570" cy="406570"/>
+              <a:off x="5446787" y="3490810"/>
+              <a:ext cx="243483" cy="243483"/>
             </a:xfrm>
             <a:prstGeom prst="rect">
               <a:avLst/>
@@ -4300,10 +3973,10 @@
         </p:pic>
         <p:pic>
           <p:nvPicPr>
-            <p:cNvPr id="30" name="Graphic 29" descr="Close with solid fill">
+            <p:cNvPr id="42" name="Graphic 41" descr="Close with solid fill">
               <a:extLst>
                 <a:ext uri="{FF2B5EF4-FFF2-40B4-BE49-F238E27FC236}">
-                  <a16:creationId xmlns:a16="http://schemas.microsoft.com/office/drawing/2014/main" id="{7E7B23F2-601E-B27B-282F-3E793CE6A3B4}"/>
+                  <a16:creationId xmlns:a16="http://schemas.microsoft.com/office/drawing/2014/main" id="{B6D59933-7BC6-C40C-E705-3054F0872A08}"/>
                 </a:ext>
               </a:extLst>
             </p:cNvPr>
@@ -4326,8 +3999,8 @@
           </p:blipFill>
           <p:spPr>
             <a:xfrm>
-              <a:off x="3582570" y="5319098"/>
-              <a:ext cx="406570" cy="406570"/>
+              <a:off x="7507808" y="3490809"/>
+              <a:ext cx="243483" cy="243483"/>
             </a:xfrm>
             <a:prstGeom prst="rect">
               <a:avLst/>
@@ -4336,10 +4009,10 @@
         </p:pic>
         <p:pic>
           <p:nvPicPr>
-            <p:cNvPr id="31" name="Graphic 30" descr="Close with solid fill">
+            <p:cNvPr id="43" name="Graphic 42" descr="Close with solid fill">
               <a:extLst>
                 <a:ext uri="{FF2B5EF4-FFF2-40B4-BE49-F238E27FC236}">
-                  <a16:creationId xmlns:a16="http://schemas.microsoft.com/office/drawing/2014/main" id="{DC08A0EB-94E2-841A-F6C3-91B337E0F1AE}"/>
+                  <a16:creationId xmlns:a16="http://schemas.microsoft.com/office/drawing/2014/main" id="{493271FA-BB8F-EE7F-2EB0-44510A375D5D}"/>
                 </a:ext>
               </a:extLst>
             </p:cNvPr>
@@ -4362,8 +4035,8 @@
           </p:blipFill>
           <p:spPr>
             <a:xfrm>
-              <a:off x="5400244" y="5367478"/>
-              <a:ext cx="322395" cy="322395"/>
+              <a:off x="7954264" y="3487870"/>
+              <a:ext cx="243483" cy="243483"/>
             </a:xfrm>
             <a:prstGeom prst="rect">
               <a:avLst/>
@@ -4372,10 +4045,10 @@
         </p:pic>
         <p:pic>
           <p:nvPicPr>
-            <p:cNvPr id="32" name="Graphic 31" descr="Close with solid fill">
+            <p:cNvPr id="44" name="Graphic 43" descr="Close with solid fill">
               <a:extLst>
                 <a:ext uri="{FF2B5EF4-FFF2-40B4-BE49-F238E27FC236}">
-                  <a16:creationId xmlns:a16="http://schemas.microsoft.com/office/drawing/2014/main" id="{A54AF087-6F90-834C-FBA0-DD26BAD30F8E}"/>
+                  <a16:creationId xmlns:a16="http://schemas.microsoft.com/office/drawing/2014/main" id="{131B4AD9-56DB-97E1-71AB-45F3F8A93DC2}"/>
                 </a:ext>
               </a:extLst>
             </p:cNvPr>
@@ -4398,8 +4071,8 @@
           </p:blipFill>
           <p:spPr>
             <a:xfrm>
-              <a:off x="5792404" y="5367478"/>
-              <a:ext cx="322395" cy="322395"/>
+              <a:off x="8400720" y="3490808"/>
+              <a:ext cx="243483" cy="243483"/>
             </a:xfrm>
             <a:prstGeom prst="rect">
               <a:avLst/>
@@ -4408,10 +4081,10 @@
         </p:pic>
         <p:pic>
           <p:nvPicPr>
-            <p:cNvPr id="36" name="Graphic 35" descr="Close with solid fill">
+            <p:cNvPr id="45" name="Graphic 44" descr="Close with solid fill">
               <a:extLst>
                 <a:ext uri="{FF2B5EF4-FFF2-40B4-BE49-F238E27FC236}">
-                  <a16:creationId xmlns:a16="http://schemas.microsoft.com/office/drawing/2014/main" id="{90448EC0-84D3-9E4C-C914-6E74F83569FF}"/>
+                  <a16:creationId xmlns:a16="http://schemas.microsoft.com/office/drawing/2014/main" id="{044D4EB5-BF67-5A2A-32F5-ED0A2D5D0008}"/>
                 </a:ext>
               </a:extLst>
             </p:cNvPr>
@@ -4434,8 +4107,8 @@
           </p:blipFill>
           <p:spPr>
             <a:xfrm>
-              <a:off x="6184564" y="5367478"/>
-              <a:ext cx="322395" cy="322395"/>
+              <a:off x="8839474" y="3487870"/>
+              <a:ext cx="243483" cy="243483"/>
             </a:xfrm>
             <a:prstGeom prst="rect">
               <a:avLst/>
@@ -4444,10 +4117,10 @@
         </p:pic>
         <p:pic>
           <p:nvPicPr>
-            <p:cNvPr id="37" name="Graphic 36" descr="Close with solid fill">
+            <p:cNvPr id="46" name="Graphic 45" descr="Close with solid fill">
               <a:extLst>
                 <a:ext uri="{FF2B5EF4-FFF2-40B4-BE49-F238E27FC236}">
-                  <a16:creationId xmlns:a16="http://schemas.microsoft.com/office/drawing/2014/main" id="{13BFB272-AF3B-1F5B-878E-60331CCB4405}"/>
+                  <a16:creationId xmlns:a16="http://schemas.microsoft.com/office/drawing/2014/main" id="{FF6B8DB2-DD1B-A443-979D-4F17CDDD0D58}"/>
                 </a:ext>
               </a:extLst>
             </p:cNvPr>
@@ -4470,44 +4143,8 @@
           </p:blipFill>
           <p:spPr>
             <a:xfrm>
-              <a:off x="6968885" y="5367478"/>
-              <a:ext cx="322395" cy="322395"/>
-            </a:xfrm>
-            <a:prstGeom prst="rect">
-              <a:avLst/>
-            </a:prstGeom>
-          </p:spPr>
-        </p:pic>
-        <p:pic>
-          <p:nvPicPr>
-            <p:cNvPr id="38" name="Graphic 37" descr="Close with solid fill">
-              <a:extLst>
-                <a:ext uri="{FF2B5EF4-FFF2-40B4-BE49-F238E27FC236}">
-                  <a16:creationId xmlns:a16="http://schemas.microsoft.com/office/drawing/2014/main" id="{DDA37CC2-F9A6-2597-5525-59C8B41A8E94}"/>
-                </a:ext>
-              </a:extLst>
-            </p:cNvPr>
-            <p:cNvPicPr>
-              <a:picLocks noChangeAspect="1"/>
-            </p:cNvPicPr>
-            <p:nvPr/>
-          </p:nvPicPr>
-          <p:blipFill>
-            <a:blip r:embed="rId3">
-              <a:extLst>
-                <a:ext uri="{96DAC541-7B7A-43D3-8B79-37D633B846F1}">
-                  <asvg:svgBlip xmlns:asvg="http://schemas.microsoft.com/office/drawing/2016/SVG/main" r:embed="rId4"/>
-                </a:ext>
-              </a:extLst>
-            </a:blip>
-            <a:stretch>
-              <a:fillRect/>
-            </a:stretch>
-          </p:blipFill>
-          <p:spPr>
-            <a:xfrm>
-              <a:off x="6576724" y="5367478"/>
-              <a:ext cx="322395" cy="322395"/>
+              <a:off x="9292404" y="3487869"/>
+              <a:ext cx="243483" cy="243483"/>
             </a:xfrm>
             <a:prstGeom prst="rect">
               <a:avLst/>
